--- a/Document's/Presentation.pptx
+++ b/Document's/Presentation.pptx
@@ -5,7 +5,7 @@
     <p:sldMasterId id="2147483648" r:id="rId1"/>
   </p:sldMasterIdLst>
   <p:notesMasterIdLst>
-    <p:notesMasterId r:id="rId21"/>
+    <p:notesMasterId r:id="rId25"/>
   </p:notesMasterIdLst>
   <p:sldIdLst>
     <p:sldId id="270" r:id="rId2"/>
@@ -25,8 +25,12 @@
     <p:sldId id="291" r:id="rId16"/>
     <p:sldId id="292" r:id="rId17"/>
     <p:sldId id="293" r:id="rId18"/>
-    <p:sldId id="286" r:id="rId19"/>
-    <p:sldId id="287" r:id="rId20"/>
+    <p:sldId id="294" r:id="rId19"/>
+    <p:sldId id="295" r:id="rId20"/>
+    <p:sldId id="297" r:id="rId21"/>
+    <p:sldId id="298" r:id="rId22"/>
+    <p:sldId id="286" r:id="rId23"/>
+    <p:sldId id="287" r:id="rId24"/>
   </p:sldIdLst>
   <p:sldSz cx="12192000" cy="6858000"/>
   <p:notesSz cx="6858000" cy="9144000"/>
@@ -665,6 +669,11 @@
               </a:ln>
               <a:effectLst/>
             </c:spPr>
+            <c:extLst>
+              <c:ext xmlns:c16="http://schemas.microsoft.com/office/drawing/2014/chart" uri="{C3380CC4-5D6E-409C-BE32-E72D297353CC}">
+                <c16:uniqueId val="{00000001-918F-4E7D-806B-18A484149BE0}"/>
+              </c:ext>
+            </c:extLst>
           </c:dPt>
           <c:dPt>
             <c:idx val="1"/>
@@ -682,6 +691,11 @@
               </a:ln>
               <a:effectLst/>
             </c:spPr>
+            <c:extLst>
+              <c:ext xmlns:c16="http://schemas.microsoft.com/office/drawing/2014/chart" uri="{C3380CC4-5D6E-409C-BE32-E72D297353CC}">
+                <c16:uniqueId val="{00000003-918F-4E7D-806B-18A484149BE0}"/>
+              </c:ext>
+            </c:extLst>
           </c:dPt>
           <c:dPt>
             <c:idx val="2"/>
@@ -699,6 +713,11 @@
               </a:ln>
               <a:effectLst/>
             </c:spPr>
+            <c:extLst>
+              <c:ext xmlns:c16="http://schemas.microsoft.com/office/drawing/2014/chart" uri="{C3380CC4-5D6E-409C-BE32-E72D297353CC}">
+                <c16:uniqueId val="{00000005-918F-4E7D-806B-18A484149BE0}"/>
+              </c:ext>
+            </c:extLst>
           </c:dPt>
           <c:dPt>
             <c:idx val="3"/>
@@ -716,6 +735,11 @@
               </a:ln>
               <a:effectLst/>
             </c:spPr>
+            <c:extLst>
+              <c:ext xmlns:c16="http://schemas.microsoft.com/office/drawing/2014/chart" uri="{C3380CC4-5D6E-409C-BE32-E72D297353CC}">
+                <c16:uniqueId val="{00000007-918F-4E7D-806B-18A484149BE0}"/>
+              </c:ext>
+            </c:extLst>
           </c:dPt>
           <c:cat>
             <c:strRef>
@@ -1364,6 +1388,11 @@
               </a:ln>
               <a:effectLst/>
             </c:spPr>
+            <c:extLst>
+              <c:ext xmlns:c16="http://schemas.microsoft.com/office/drawing/2014/chart" uri="{C3380CC4-5D6E-409C-BE32-E72D297353CC}">
+                <c16:uniqueId val="{00000001-DF19-4105-9AA1-BC9D4066AA14}"/>
+              </c:ext>
+            </c:extLst>
           </c:dPt>
           <c:dPt>
             <c:idx val="1"/>
@@ -1381,6 +1410,11 @@
               </a:ln>
               <a:effectLst/>
             </c:spPr>
+            <c:extLst>
+              <c:ext xmlns:c16="http://schemas.microsoft.com/office/drawing/2014/chart" uri="{C3380CC4-5D6E-409C-BE32-E72D297353CC}">
+                <c16:uniqueId val="{00000003-DF19-4105-9AA1-BC9D4066AA14}"/>
+              </c:ext>
+            </c:extLst>
           </c:dPt>
           <c:dPt>
             <c:idx val="2"/>
@@ -1398,6 +1432,11 @@
               </a:ln>
               <a:effectLst/>
             </c:spPr>
+            <c:extLst>
+              <c:ext xmlns:c16="http://schemas.microsoft.com/office/drawing/2014/chart" uri="{C3380CC4-5D6E-409C-BE32-E72D297353CC}">
+                <c16:uniqueId val="{00000005-DF19-4105-9AA1-BC9D4066AA14}"/>
+              </c:ext>
+            </c:extLst>
           </c:dPt>
           <c:dPt>
             <c:idx val="3"/>
@@ -1415,6 +1454,11 @@
               </a:ln>
               <a:effectLst/>
             </c:spPr>
+            <c:extLst>
+              <c:ext xmlns:c16="http://schemas.microsoft.com/office/drawing/2014/chart" uri="{C3380CC4-5D6E-409C-BE32-E72D297353CC}">
+                <c16:uniqueId val="{00000007-DF19-4105-9AA1-BC9D4066AA14}"/>
+              </c:ext>
+            </c:extLst>
           </c:dPt>
           <c:cat>
             <c:strRef>
@@ -2063,6 +2107,11 @@
               </a:ln>
               <a:effectLst/>
             </c:spPr>
+            <c:extLst>
+              <c:ext xmlns:c16="http://schemas.microsoft.com/office/drawing/2014/chart" uri="{C3380CC4-5D6E-409C-BE32-E72D297353CC}">
+                <c16:uniqueId val="{00000001-6BED-48E9-AC2D-D8638AE57EFB}"/>
+              </c:ext>
+            </c:extLst>
           </c:dPt>
           <c:dPt>
             <c:idx val="1"/>
@@ -2080,6 +2129,11 @@
               </a:ln>
               <a:effectLst/>
             </c:spPr>
+            <c:extLst>
+              <c:ext xmlns:c16="http://schemas.microsoft.com/office/drawing/2014/chart" uri="{C3380CC4-5D6E-409C-BE32-E72D297353CC}">
+                <c16:uniqueId val="{00000003-6BED-48E9-AC2D-D8638AE57EFB}"/>
+              </c:ext>
+            </c:extLst>
           </c:dPt>
           <c:dPt>
             <c:idx val="2"/>
@@ -2097,6 +2151,11 @@
               </a:ln>
               <a:effectLst/>
             </c:spPr>
+            <c:extLst>
+              <c:ext xmlns:c16="http://schemas.microsoft.com/office/drawing/2014/chart" uri="{C3380CC4-5D6E-409C-BE32-E72D297353CC}">
+                <c16:uniqueId val="{00000005-6BED-48E9-AC2D-D8638AE57EFB}"/>
+              </c:ext>
+            </c:extLst>
           </c:dPt>
           <c:dPt>
             <c:idx val="3"/>
@@ -2114,6 +2173,11 @@
               </a:ln>
               <a:effectLst/>
             </c:spPr>
+            <c:extLst>
+              <c:ext xmlns:c16="http://schemas.microsoft.com/office/drawing/2014/chart" uri="{C3380CC4-5D6E-409C-BE32-E72D297353CC}">
+                <c16:uniqueId val="{00000007-6BED-48E9-AC2D-D8638AE57EFB}"/>
+              </c:ext>
+            </c:extLst>
           </c:dPt>
           <c:cat>
             <c:strRef>
@@ -2762,6 +2826,11 @@
               </a:ln>
               <a:effectLst/>
             </c:spPr>
+            <c:extLst>
+              <c:ext xmlns:c16="http://schemas.microsoft.com/office/drawing/2014/chart" uri="{C3380CC4-5D6E-409C-BE32-E72D297353CC}">
+                <c16:uniqueId val="{00000001-F4F5-4B65-A46B-61C7EC427677}"/>
+              </c:ext>
+            </c:extLst>
           </c:dPt>
           <c:dPt>
             <c:idx val="1"/>
@@ -2779,6 +2848,11 @@
               </a:ln>
               <a:effectLst/>
             </c:spPr>
+            <c:extLst>
+              <c:ext xmlns:c16="http://schemas.microsoft.com/office/drawing/2014/chart" uri="{C3380CC4-5D6E-409C-BE32-E72D297353CC}">
+                <c16:uniqueId val="{00000003-F4F5-4B65-A46B-61C7EC427677}"/>
+              </c:ext>
+            </c:extLst>
           </c:dPt>
           <c:dPt>
             <c:idx val="2"/>
@@ -2796,6 +2870,11 @@
               </a:ln>
               <a:effectLst/>
             </c:spPr>
+            <c:extLst>
+              <c:ext xmlns:c16="http://schemas.microsoft.com/office/drawing/2014/chart" uri="{C3380CC4-5D6E-409C-BE32-E72D297353CC}">
+                <c16:uniqueId val="{00000005-F4F5-4B65-A46B-61C7EC427677}"/>
+              </c:ext>
+            </c:extLst>
           </c:dPt>
           <c:dPt>
             <c:idx val="3"/>
@@ -2813,6 +2892,11 @@
               </a:ln>
               <a:effectLst/>
             </c:spPr>
+            <c:extLst>
+              <c:ext xmlns:c16="http://schemas.microsoft.com/office/drawing/2014/chart" uri="{C3380CC4-5D6E-409C-BE32-E72D297353CC}">
+                <c16:uniqueId val="{00000007-F4F5-4B65-A46B-61C7EC427677}"/>
+              </c:ext>
+            </c:extLst>
           </c:dPt>
           <c:cat>
             <c:strRef>
@@ -3461,6 +3545,11 @@
               </a:ln>
               <a:effectLst/>
             </c:spPr>
+            <c:extLst>
+              <c:ext xmlns:c16="http://schemas.microsoft.com/office/drawing/2014/chart" uri="{C3380CC4-5D6E-409C-BE32-E72D297353CC}">
+                <c16:uniqueId val="{00000001-ABD2-48D2-8FA1-72A1E3C5DFF8}"/>
+              </c:ext>
+            </c:extLst>
           </c:dPt>
           <c:dPt>
             <c:idx val="1"/>
@@ -3478,6 +3567,11 @@
               </a:ln>
               <a:effectLst/>
             </c:spPr>
+            <c:extLst>
+              <c:ext xmlns:c16="http://schemas.microsoft.com/office/drawing/2014/chart" uri="{C3380CC4-5D6E-409C-BE32-E72D297353CC}">
+                <c16:uniqueId val="{00000003-ABD2-48D2-8FA1-72A1E3C5DFF8}"/>
+              </c:ext>
+            </c:extLst>
           </c:dPt>
           <c:dPt>
             <c:idx val="2"/>
@@ -3495,6 +3589,11 @@
               </a:ln>
               <a:effectLst/>
             </c:spPr>
+            <c:extLst>
+              <c:ext xmlns:c16="http://schemas.microsoft.com/office/drawing/2014/chart" uri="{C3380CC4-5D6E-409C-BE32-E72D297353CC}">
+                <c16:uniqueId val="{00000005-ABD2-48D2-8FA1-72A1E3C5DFF8}"/>
+              </c:ext>
+            </c:extLst>
           </c:dPt>
           <c:dPt>
             <c:idx val="3"/>
@@ -3512,6 +3611,11 @@
               </a:ln>
               <a:effectLst/>
             </c:spPr>
+            <c:extLst>
+              <c:ext xmlns:c16="http://schemas.microsoft.com/office/drawing/2014/chart" uri="{C3380CC4-5D6E-409C-BE32-E72D297353CC}">
+                <c16:uniqueId val="{00000007-ABD2-48D2-8FA1-72A1E3C5DFF8}"/>
+              </c:ext>
+            </c:extLst>
           </c:dPt>
           <c:cat>
             <c:strRef>
@@ -4160,6 +4264,11 @@
               </a:ln>
               <a:effectLst/>
             </c:spPr>
+            <c:extLst>
+              <c:ext xmlns:c16="http://schemas.microsoft.com/office/drawing/2014/chart" uri="{C3380CC4-5D6E-409C-BE32-E72D297353CC}">
+                <c16:uniqueId val="{00000001-A998-4C69-BD52-81A5B3EB85AB}"/>
+              </c:ext>
+            </c:extLst>
           </c:dPt>
           <c:dPt>
             <c:idx val="1"/>
@@ -4177,6 +4286,11 @@
               </a:ln>
               <a:effectLst/>
             </c:spPr>
+            <c:extLst>
+              <c:ext xmlns:c16="http://schemas.microsoft.com/office/drawing/2014/chart" uri="{C3380CC4-5D6E-409C-BE32-E72D297353CC}">
+                <c16:uniqueId val="{00000003-A998-4C69-BD52-81A5B3EB85AB}"/>
+              </c:ext>
+            </c:extLst>
           </c:dPt>
           <c:dPt>
             <c:idx val="2"/>
@@ -4194,6 +4308,11 @@
               </a:ln>
               <a:effectLst/>
             </c:spPr>
+            <c:extLst>
+              <c:ext xmlns:c16="http://schemas.microsoft.com/office/drawing/2014/chart" uri="{C3380CC4-5D6E-409C-BE32-E72D297353CC}">
+                <c16:uniqueId val="{00000005-A998-4C69-BD52-81A5B3EB85AB}"/>
+              </c:ext>
+            </c:extLst>
           </c:dPt>
           <c:dPt>
             <c:idx val="3"/>
@@ -4211,6 +4330,11 @@
               </a:ln>
               <a:effectLst/>
             </c:spPr>
+            <c:extLst>
+              <c:ext xmlns:c16="http://schemas.microsoft.com/office/drawing/2014/chart" uri="{C3380CC4-5D6E-409C-BE32-E72D297353CC}">
+                <c16:uniqueId val="{00000007-A998-4C69-BD52-81A5B3EB85AB}"/>
+              </c:ext>
+            </c:extLst>
           </c:dPt>
           <c:cat>
             <c:strRef>
@@ -4859,6 +4983,11 @@
               </a:ln>
               <a:effectLst/>
             </c:spPr>
+            <c:extLst>
+              <c:ext xmlns:c16="http://schemas.microsoft.com/office/drawing/2014/chart" uri="{C3380CC4-5D6E-409C-BE32-E72D297353CC}">
+                <c16:uniqueId val="{00000001-A87A-424A-B27B-5B8D51FACEDA}"/>
+              </c:ext>
+            </c:extLst>
           </c:dPt>
           <c:dPt>
             <c:idx val="1"/>
@@ -4876,6 +5005,11 @@
               </a:ln>
               <a:effectLst/>
             </c:spPr>
+            <c:extLst>
+              <c:ext xmlns:c16="http://schemas.microsoft.com/office/drawing/2014/chart" uri="{C3380CC4-5D6E-409C-BE32-E72D297353CC}">
+                <c16:uniqueId val="{00000003-A87A-424A-B27B-5B8D51FACEDA}"/>
+              </c:ext>
+            </c:extLst>
           </c:dPt>
           <c:dPt>
             <c:idx val="2"/>
@@ -4893,6 +5027,11 @@
               </a:ln>
               <a:effectLst/>
             </c:spPr>
+            <c:extLst>
+              <c:ext xmlns:c16="http://schemas.microsoft.com/office/drawing/2014/chart" uri="{C3380CC4-5D6E-409C-BE32-E72D297353CC}">
+                <c16:uniqueId val="{00000005-A87A-424A-B27B-5B8D51FACEDA}"/>
+              </c:ext>
+            </c:extLst>
           </c:dPt>
           <c:dPt>
             <c:idx val="3"/>
@@ -4910,6 +5049,11 @@
               </a:ln>
               <a:effectLst/>
             </c:spPr>
+            <c:extLst>
+              <c:ext xmlns:c16="http://schemas.microsoft.com/office/drawing/2014/chart" uri="{C3380CC4-5D6E-409C-BE32-E72D297353CC}">
+                <c16:uniqueId val="{00000007-A87A-424A-B27B-5B8D51FACEDA}"/>
+              </c:ext>
+            </c:extLst>
           </c:dPt>
           <c:cat>
             <c:strRef>
@@ -13290,7 +13434,7 @@
           <a:p>
             <a:fld id="{7BBFD573-0FDF-4CBC-894D-7E1C17ECB315}" type="datetimeFigureOut">
               <a:rPr lang="en-US" smtClean="0"/>
-              <a:t>9/18/2024</a:t>
+              <a:t>11/12/2024</a:t>
             </a:fld>
             <a:endParaRPr lang="en-US"/>
           </a:p>
@@ -13872,7 +14016,7 @@
           <a:p>
             <a:fld id="{5F822E2C-D359-43E4-8085-BA1C465927A5}" type="datetimeFigureOut">
               <a:rPr lang="en-US" smtClean="0"/>
-              <a:t>9/18/2024</a:t>
+              <a:t>11/12/2024</a:t>
             </a:fld>
             <a:endParaRPr lang="en-US"/>
           </a:p>
@@ -14070,7 +14214,7 @@
           <a:p>
             <a:fld id="{5F822E2C-D359-43E4-8085-BA1C465927A5}" type="datetimeFigureOut">
               <a:rPr lang="en-US" smtClean="0"/>
-              <a:t>9/18/2024</a:t>
+              <a:t>11/12/2024</a:t>
             </a:fld>
             <a:endParaRPr lang="en-US"/>
           </a:p>
@@ -14278,7 +14422,7 @@
           <a:p>
             <a:fld id="{5F822E2C-D359-43E4-8085-BA1C465927A5}" type="datetimeFigureOut">
               <a:rPr lang="en-US" smtClean="0"/>
-              <a:t>9/18/2024</a:t>
+              <a:t>11/12/2024</a:t>
             </a:fld>
             <a:endParaRPr lang="en-US"/>
           </a:p>
@@ -14476,7 +14620,7 @@
           <a:p>
             <a:fld id="{5F822E2C-D359-43E4-8085-BA1C465927A5}" type="datetimeFigureOut">
               <a:rPr lang="en-US" smtClean="0"/>
-              <a:t>9/18/2024</a:t>
+              <a:t>11/12/2024</a:t>
             </a:fld>
             <a:endParaRPr lang="en-US"/>
           </a:p>
@@ -14751,7 +14895,7 @@
           <a:p>
             <a:fld id="{5F822E2C-D359-43E4-8085-BA1C465927A5}" type="datetimeFigureOut">
               <a:rPr lang="en-US" smtClean="0"/>
-              <a:t>9/18/2024</a:t>
+              <a:t>11/12/2024</a:t>
             </a:fld>
             <a:endParaRPr lang="en-US"/>
           </a:p>
@@ -15016,7 +15160,7 @@
           <a:p>
             <a:fld id="{5F822E2C-D359-43E4-8085-BA1C465927A5}" type="datetimeFigureOut">
               <a:rPr lang="en-US" smtClean="0"/>
-              <a:t>9/18/2024</a:t>
+              <a:t>11/12/2024</a:t>
             </a:fld>
             <a:endParaRPr lang="en-US"/>
           </a:p>
@@ -15428,7 +15572,7 @@
           <a:p>
             <a:fld id="{5F822E2C-D359-43E4-8085-BA1C465927A5}" type="datetimeFigureOut">
               <a:rPr lang="en-US" smtClean="0"/>
-              <a:t>9/18/2024</a:t>
+              <a:t>11/12/2024</a:t>
             </a:fld>
             <a:endParaRPr lang="en-US"/>
           </a:p>
@@ -15569,7 +15713,7 @@
           <a:p>
             <a:fld id="{5F822E2C-D359-43E4-8085-BA1C465927A5}" type="datetimeFigureOut">
               <a:rPr lang="en-US" smtClean="0"/>
-              <a:t>9/18/2024</a:t>
+              <a:t>11/12/2024</a:t>
             </a:fld>
             <a:endParaRPr lang="en-US"/>
           </a:p>
@@ -15682,7 +15826,7 @@
           <a:p>
             <a:fld id="{5F822E2C-D359-43E4-8085-BA1C465927A5}" type="datetimeFigureOut">
               <a:rPr lang="en-US" smtClean="0"/>
-              <a:t>9/18/2024</a:t>
+              <a:t>11/12/2024</a:t>
             </a:fld>
             <a:endParaRPr lang="en-US"/>
           </a:p>
@@ -15993,7 +16137,7 @@
           <a:p>
             <a:fld id="{5F822E2C-D359-43E4-8085-BA1C465927A5}" type="datetimeFigureOut">
               <a:rPr lang="en-US" smtClean="0"/>
-              <a:t>9/18/2024</a:t>
+              <a:t>11/12/2024</a:t>
             </a:fld>
             <a:endParaRPr lang="en-US"/>
           </a:p>
@@ -16281,7 +16425,7 @@
           <a:p>
             <a:fld id="{5F822E2C-D359-43E4-8085-BA1C465927A5}" type="datetimeFigureOut">
               <a:rPr lang="en-US" smtClean="0"/>
-              <a:t>9/18/2024</a:t>
+              <a:t>11/12/2024</a:t>
             </a:fld>
             <a:endParaRPr lang="en-US"/>
           </a:p>
@@ -16522,7 +16666,7 @@
           <a:p>
             <a:fld id="{5F822E2C-D359-43E4-8085-BA1C465927A5}" type="datetimeFigureOut">
               <a:rPr lang="en-US" smtClean="0"/>
-              <a:t>9/18/2024</a:t>
+              <a:t>11/12/2024</a:t>
             </a:fld>
             <a:endParaRPr lang="en-US"/>
           </a:p>
@@ -17303,6 +17447,42 @@
           </a:prstGeom>
         </p:spPr>
       </p:pic>
+      <p:sp>
+        <p:nvSpPr>
+          <p:cNvPr id="3" name="TextBox 2">
+            <a:extLst>
+              <a:ext uri="{FF2B5EF4-FFF2-40B4-BE49-F238E27FC236}">
+                <a16:creationId xmlns:a16="http://schemas.microsoft.com/office/drawing/2014/main" id="{EBE3F319-ECF7-59C1-D492-836B574FEF56}"/>
+              </a:ext>
+            </a:extLst>
+          </p:cNvPr>
+          <p:cNvSpPr txBox="1"/>
+          <p:nvPr/>
+        </p:nvSpPr>
+        <p:spPr>
+          <a:xfrm>
+            <a:off x="3029779" y="5397862"/>
+            <a:ext cx="6132442" cy="369332"/>
+          </a:xfrm>
+          <a:prstGeom prst="rect">
+            <a:avLst/>
+          </a:prstGeom>
+          <a:noFill/>
+        </p:spPr>
+        <p:txBody>
+          <a:bodyPr wrap="square">
+            <a:spAutoFit/>
+          </a:bodyPr>
+          <a:lstStyle/>
+          <a:p>
+            <a:pPr algn="ctr"/>
+            <a:r>
+              <a:rPr lang="en-US" dirty="0"/>
+              <a:t>Under The Guidance Of – Dr. Gurminder Kaur</a:t>
+            </a:r>
+          </a:p>
+        </p:txBody>
+      </p:sp>
     </p:spTree>
     <p:extLst>
       <p:ext uri="{BB962C8B-B14F-4D97-AF65-F5344CB8AC3E}">
@@ -18631,13 +18811,13 @@
   <p:clrMapOvr>
     <a:masterClrMapping/>
   </p:clrMapOvr>
-  <mc:AlternateContent xmlns:mc="http://schemas.openxmlformats.org/markup-compatibility/2006">
-    <mc:Choice xmlns:p159="http://schemas.microsoft.com/office/powerpoint/2015/09/main" Requires="p159">
+  <mc:AlternateContent xmlns:mc="http://schemas.openxmlformats.org/markup-compatibility/2006" xmlns:p159="http://schemas.microsoft.com/office/powerpoint/2015/09/main">
+    <mc:Choice Requires="p159">
       <p:transition xmlns:p14="http://schemas.microsoft.com/office/powerpoint/2010/main" spd="slow" p14:dur="2000" advTm="1500">
         <p159:morph option="byObject"/>
       </p:transition>
     </mc:Choice>
-    <mc:Fallback>
+    <mc:Fallback xmlns="">
       <p:transition spd="slow" advTm="1500">
         <p:fade/>
       </p:transition>
@@ -19370,13 +19550,13 @@
   <p:clrMapOvr>
     <a:masterClrMapping/>
   </p:clrMapOvr>
-  <mc:AlternateContent xmlns:mc="http://schemas.openxmlformats.org/markup-compatibility/2006">
-    <mc:Choice xmlns:p159="http://schemas.microsoft.com/office/powerpoint/2015/09/main" Requires="p159">
+  <mc:AlternateContent xmlns:mc="http://schemas.openxmlformats.org/markup-compatibility/2006" xmlns:p159="http://schemas.microsoft.com/office/powerpoint/2015/09/main">
+    <mc:Choice Requires="p159">
       <p:transition spd="slow" advTm="1000">
         <p159:morph option="byObject"/>
       </p:transition>
     </mc:Choice>
-    <mc:Fallback>
+    <mc:Fallback xmlns="">
       <p:transition spd="slow" advTm="1000">
         <p:fade/>
       </p:transition>
@@ -20109,13 +20289,13 @@
   <p:clrMapOvr>
     <a:masterClrMapping/>
   </p:clrMapOvr>
-  <mc:AlternateContent xmlns:mc="http://schemas.openxmlformats.org/markup-compatibility/2006">
-    <mc:Choice xmlns:p159="http://schemas.microsoft.com/office/powerpoint/2015/09/main" Requires="p159">
+  <mc:AlternateContent xmlns:mc="http://schemas.openxmlformats.org/markup-compatibility/2006" xmlns:p159="http://schemas.microsoft.com/office/powerpoint/2015/09/main">
+    <mc:Choice Requires="p159">
       <p:transition spd="slow" advTm="1000">
         <p159:morph option="byObject"/>
       </p:transition>
     </mc:Choice>
-    <mc:Fallback>
+    <mc:Fallback xmlns="">
       <p:transition spd="slow" advTm="1000">
         <p:fade/>
       </p:transition>
@@ -20848,13 +21028,13 @@
   <p:clrMapOvr>
     <a:masterClrMapping/>
   </p:clrMapOvr>
-  <mc:AlternateContent xmlns:mc="http://schemas.openxmlformats.org/markup-compatibility/2006">
-    <mc:Choice xmlns:p159="http://schemas.microsoft.com/office/powerpoint/2015/09/main" Requires="p159">
+  <mc:AlternateContent xmlns:mc="http://schemas.openxmlformats.org/markup-compatibility/2006" xmlns:p159="http://schemas.microsoft.com/office/powerpoint/2015/09/main">
+    <mc:Choice Requires="p159">
       <p:transition spd="slow" advTm="1000">
         <p159:morph option="byObject"/>
       </p:transition>
     </mc:Choice>
-    <mc:Fallback>
+    <mc:Fallback xmlns="">
       <p:transition spd="slow" advTm="1000">
         <p:fade/>
       </p:transition>
@@ -21587,13 +21767,13 @@
   <p:clrMapOvr>
     <a:masterClrMapping/>
   </p:clrMapOvr>
-  <mc:AlternateContent xmlns:mc="http://schemas.openxmlformats.org/markup-compatibility/2006">
-    <mc:Choice xmlns:p159="http://schemas.microsoft.com/office/powerpoint/2015/09/main" Requires="p159">
+  <mc:AlternateContent xmlns:mc="http://schemas.openxmlformats.org/markup-compatibility/2006" xmlns:p159="http://schemas.microsoft.com/office/powerpoint/2015/09/main">
+    <mc:Choice Requires="p159">
       <p:transition spd="slow" advTm="1000">
         <p159:morph option="byObject"/>
       </p:transition>
     </mc:Choice>
-    <mc:Fallback>
+    <mc:Fallback xmlns="">
       <p:transition spd="slow" advTm="1000">
         <p:fade/>
       </p:transition>
@@ -22316,6 +22496,35 @@
           </a:prstGeom>
         </p:spPr>
       </p:pic>
+      <p:pic>
+        <p:nvPicPr>
+          <p:cNvPr id="10" name="Picture 9">
+            <a:extLst>
+              <a:ext uri="{FF2B5EF4-FFF2-40B4-BE49-F238E27FC236}">
+                <a16:creationId xmlns:a16="http://schemas.microsoft.com/office/drawing/2014/main" id="{019EFD31-0CF2-2161-CD59-ADD3F869052B}"/>
+              </a:ext>
+            </a:extLst>
+          </p:cNvPr>
+          <p:cNvPicPr>
+            <a:picLocks noChangeAspect="1"/>
+          </p:cNvPicPr>
+          <p:nvPr/>
+        </p:nvPicPr>
+        <p:blipFill>
+          <a:blip r:embed="rId16"/>
+          <a:srcRect t="5675"/>
+          <a:stretch/>
+        </p:blipFill>
+        <p:spPr>
+          <a:xfrm rot="5400000">
+            <a:off x="15611681" y="-1678861"/>
+            <a:ext cx="4854290" cy="10982325"/>
+          </a:xfrm>
+          <a:prstGeom prst="rect">
+            <a:avLst/>
+          </a:prstGeom>
+        </p:spPr>
+      </p:pic>
     </p:spTree>
     <p:extLst>
       <p:ext uri="{BB962C8B-B14F-4D97-AF65-F5344CB8AC3E}">
@@ -22326,13 +22535,13 @@
   <p:clrMapOvr>
     <a:masterClrMapping/>
   </p:clrMapOvr>
-  <mc:AlternateContent xmlns:mc="http://schemas.openxmlformats.org/markup-compatibility/2006">
-    <mc:Choice xmlns:p159="http://schemas.microsoft.com/office/powerpoint/2015/09/main" Requires="p159">
+  <mc:AlternateContent xmlns:mc="http://schemas.openxmlformats.org/markup-compatibility/2006" xmlns:p159="http://schemas.microsoft.com/office/powerpoint/2015/09/main">
+    <mc:Choice Requires="p159">
       <p:transition spd="slow" advTm="1000">
         <p159:morph option="byObject"/>
       </p:transition>
     </mc:Choice>
-    <mc:Fallback>
+    <mc:Fallback xmlns="">
       <p:transition spd="slow" advTm="1000">
         <p:fade/>
       </p:transition>
@@ -23055,6 +23264,35 @@
           </a:prstGeom>
         </p:spPr>
       </p:pic>
+      <p:pic>
+        <p:nvPicPr>
+          <p:cNvPr id="10" name="Picture 9">
+            <a:extLst>
+              <a:ext uri="{FF2B5EF4-FFF2-40B4-BE49-F238E27FC236}">
+                <a16:creationId xmlns:a16="http://schemas.microsoft.com/office/drawing/2014/main" id="{8BAFA992-88FC-7106-4B9A-539D682A7821}"/>
+              </a:ext>
+            </a:extLst>
+          </p:cNvPr>
+          <p:cNvPicPr>
+            <a:picLocks noChangeAspect="1"/>
+          </p:cNvPicPr>
+          <p:nvPr/>
+        </p:nvPicPr>
+        <p:blipFill>
+          <a:blip r:embed="rId16"/>
+          <a:srcRect t="5675"/>
+          <a:stretch/>
+        </p:blipFill>
+        <p:spPr>
+          <a:xfrm rot="5400000">
+            <a:off x="15116381" y="-1678861"/>
+            <a:ext cx="4854290" cy="10982325"/>
+          </a:xfrm>
+          <a:prstGeom prst="rect">
+            <a:avLst/>
+          </a:prstGeom>
+        </p:spPr>
+      </p:pic>
     </p:spTree>
     <p:extLst>
       <p:ext uri="{BB962C8B-B14F-4D97-AF65-F5344CB8AC3E}">
@@ -23065,9 +23303,447 @@
   <p:clrMapOvr>
     <a:masterClrMapping/>
   </p:clrMapOvr>
+  <mc:AlternateContent xmlns:mc="http://schemas.openxmlformats.org/markup-compatibility/2006" xmlns:p159="http://schemas.microsoft.com/office/powerpoint/2015/09/main">
+    <mc:Choice Requires="p159">
+      <p:transition spd="slow">
+        <p159:morph option="byObject"/>
+      </p:transition>
+    </mc:Choice>
+    <mc:Fallback xmlns="">
+      <p:transition spd="slow">
+        <p:fade/>
+      </p:transition>
+    </mc:Fallback>
+  </mc:AlternateContent>
+</p:sld>
+</file>
+
+<file path=ppt/slides/slide18.xml><?xml version="1.0" encoding="utf-8"?>
+<p:sld xmlns:a="http://schemas.openxmlformats.org/drawingml/2006/main" xmlns:r="http://schemas.openxmlformats.org/officeDocument/2006/relationships" xmlns:p="http://schemas.openxmlformats.org/presentationml/2006/main">
+  <p:cSld>
+    <p:spTree>
+      <p:nvGrpSpPr>
+        <p:cNvPr id="1" name="">
+          <a:extLst>
+            <a:ext uri="{FF2B5EF4-FFF2-40B4-BE49-F238E27FC236}">
+              <a16:creationId xmlns:a16="http://schemas.microsoft.com/office/drawing/2014/main" id="{6BE5474A-C511-08FB-9718-341C5C3B0F1A}"/>
+            </a:ext>
+          </a:extLst>
+        </p:cNvPr>
+        <p:cNvGrpSpPr/>
+        <p:nvPr/>
+      </p:nvGrpSpPr>
+      <p:grpSpPr>
+        <a:xfrm>
+          <a:off x="0" y="0"/>
+          <a:ext cx="0" cy="0"/>
+          <a:chOff x="0" y="0"/>
+          <a:chExt cx="0" cy="0"/>
+        </a:xfrm>
+      </p:grpSpPr>
+      <p:sp>
+        <p:nvSpPr>
+          <p:cNvPr id="23" name="Rectangle 22">
+            <a:extLst>
+              <a:ext uri="{FF2B5EF4-FFF2-40B4-BE49-F238E27FC236}">
+                <a16:creationId xmlns:a16="http://schemas.microsoft.com/office/drawing/2014/main" id="{37D7F408-F85E-6082-9A81-40D8DEF7E685}"/>
+              </a:ext>
+            </a:extLst>
+          </p:cNvPr>
+          <p:cNvSpPr>
+            <a:spLocks/>
+          </p:cNvSpPr>
+          <p:nvPr/>
+        </p:nvSpPr>
+        <p:spPr>
+          <a:xfrm>
+            <a:off x="503" y="0"/>
+            <a:ext cx="12192000" cy="6858000"/>
+          </a:xfrm>
+          <a:prstGeom prst="rect">
+            <a:avLst/>
+          </a:prstGeom>
+          <a:gradFill>
+            <a:gsLst>
+              <a:gs pos="0">
+                <a:schemeClr val="accent6">
+                  <a:lumMod val="23000"/>
+                </a:schemeClr>
+              </a:gs>
+              <a:gs pos="100000">
+                <a:schemeClr val="accent6">
+                  <a:lumMod val="26000"/>
+                </a:schemeClr>
+              </a:gs>
+              <a:gs pos="100000">
+                <a:schemeClr val="accent6">
+                  <a:lumMod val="19000"/>
+                </a:schemeClr>
+              </a:gs>
+            </a:gsLst>
+            <a:lin ang="5400000" scaled="0"/>
+          </a:gradFill>
+        </p:spPr>
+        <p:style>
+          <a:lnRef idx="2">
+            <a:schemeClr val="accent1">
+              <a:shade val="15000"/>
+            </a:schemeClr>
+          </a:lnRef>
+          <a:fillRef idx="1">
+            <a:schemeClr val="accent1"/>
+          </a:fillRef>
+          <a:effectRef idx="0">
+            <a:schemeClr val="accent1"/>
+          </a:effectRef>
+          <a:fontRef idx="minor">
+            <a:schemeClr val="lt1"/>
+          </a:fontRef>
+        </p:style>
+        <p:txBody>
+          <a:bodyPr rtlCol="0" anchor="ctr"/>
+          <a:lstStyle/>
+          <a:p>
+            <a:pPr algn="ctr"/>
+            <a:endParaRPr lang="en-US" dirty="0"/>
+          </a:p>
+        </p:txBody>
+      </p:sp>
+      <p:sp>
+        <p:nvSpPr>
+          <p:cNvPr id="6" name="TextBox 5">
+            <a:extLst>
+              <a:ext uri="{FF2B5EF4-FFF2-40B4-BE49-F238E27FC236}">
+                <a16:creationId xmlns:a16="http://schemas.microsoft.com/office/drawing/2014/main" id="{ED62094F-C368-93E1-552F-7DA14185FBC6}"/>
+              </a:ext>
+            </a:extLst>
+          </p:cNvPr>
+          <p:cNvSpPr txBox="1"/>
+          <p:nvPr/>
+        </p:nvSpPr>
+        <p:spPr>
+          <a:xfrm>
+            <a:off x="439840" y="112073"/>
+            <a:ext cx="2560535" cy="1107996"/>
+          </a:xfrm>
+          <a:prstGeom prst="rect">
+            <a:avLst/>
+          </a:prstGeom>
+          <a:noFill/>
+        </p:spPr>
+        <p:txBody>
+          <a:bodyPr wrap="square">
+            <a:spAutoFit/>
+          </a:bodyPr>
+          <a:lstStyle/>
+          <a:p>
+            <a:r>
+              <a:rPr lang="en-US" sz="6600" b="1" dirty="0">
+                <a:solidFill>
+                  <a:schemeClr val="bg1"/>
+                </a:solidFill>
+              </a:rPr>
+              <a:t>LIORA</a:t>
+            </a:r>
+          </a:p>
+        </p:txBody>
+      </p:sp>
+      <p:sp>
+        <p:nvSpPr>
+          <p:cNvPr id="8" name="TextBox 7">
+            <a:extLst>
+              <a:ext uri="{FF2B5EF4-FFF2-40B4-BE49-F238E27FC236}">
+                <a16:creationId xmlns:a16="http://schemas.microsoft.com/office/drawing/2014/main" id="{73C065E6-5942-74A3-605B-E6D55D18443B}"/>
+              </a:ext>
+            </a:extLst>
+          </p:cNvPr>
+          <p:cNvSpPr txBox="1"/>
+          <p:nvPr/>
+        </p:nvSpPr>
+        <p:spPr>
+          <a:xfrm>
+            <a:off x="465177" y="1257669"/>
+            <a:ext cx="7024491" cy="3416320"/>
+          </a:xfrm>
+          <a:prstGeom prst="rect">
+            <a:avLst/>
+          </a:prstGeom>
+          <a:noFill/>
+        </p:spPr>
+        <p:txBody>
+          <a:bodyPr wrap="square">
+            <a:spAutoFit/>
+          </a:bodyPr>
+          <a:lstStyle/>
+          <a:p>
+            <a:r>
+              <a:rPr lang="en-US" sz="2400" dirty="0">
+                <a:solidFill>
+                  <a:schemeClr val="bg1">
+                    <a:lumMod val="95000"/>
+                  </a:schemeClr>
+                </a:solidFill>
+              </a:rPr>
+              <a:t>Our system helps store owners by automating inventory management, reducing the risk of human error, and providing real-time updates on stock levels and product expiration. It streamlines operations, minimizes losses from expired items, and ensures timely restocking. Additionally, the system enhances overall efficiency, allowing store owners to focus on improving customer service and growing their business.</a:t>
+            </a:r>
+          </a:p>
+        </p:txBody>
+      </p:sp>
+      <p:pic>
+        <p:nvPicPr>
+          <p:cNvPr id="2" name="Graphic 1" descr="Store with solid fill">
+            <a:extLst>
+              <a:ext uri="{FF2B5EF4-FFF2-40B4-BE49-F238E27FC236}">
+                <a16:creationId xmlns:a16="http://schemas.microsoft.com/office/drawing/2014/main" id="{C16034E4-4A3D-B2F7-A84C-19073E984F61}"/>
+              </a:ext>
+            </a:extLst>
+          </p:cNvPr>
+          <p:cNvPicPr>
+            <a:picLocks noChangeAspect="1"/>
+          </p:cNvPicPr>
+          <p:nvPr/>
+        </p:nvPicPr>
+        <p:blipFill>
+          <a:blip r:embed="rId2">
+            <a:extLst>
+              <a:ext uri="{96DAC541-7B7A-43D3-8B79-37D633B846F1}">
+                <asvg:svgBlip xmlns:asvg="http://schemas.microsoft.com/office/drawing/2016/SVG/main" r:embed="rId3"/>
+              </a:ext>
+            </a:extLst>
+          </a:blip>
+          <a:stretch>
+            <a:fillRect/>
+          </a:stretch>
+        </p:blipFill>
+        <p:spPr>
+          <a:xfrm>
+            <a:off x="-61073" y="-1007756"/>
+            <a:ext cx="1242828" cy="1213130"/>
+          </a:xfrm>
+          <a:prstGeom prst="rect">
+            <a:avLst/>
+          </a:prstGeom>
+        </p:spPr>
+      </p:pic>
+      <p:pic>
+        <p:nvPicPr>
+          <p:cNvPr id="3" name="Graphic 2" descr="Convertible with solid fill">
+            <a:extLst>
+              <a:ext uri="{FF2B5EF4-FFF2-40B4-BE49-F238E27FC236}">
+                <a16:creationId xmlns:a16="http://schemas.microsoft.com/office/drawing/2014/main" id="{20D10462-7F78-A064-4F48-87AF08B9B832}"/>
+              </a:ext>
+            </a:extLst>
+          </p:cNvPr>
+          <p:cNvPicPr>
+            <a:picLocks noChangeAspect="1"/>
+          </p:cNvPicPr>
+          <p:nvPr/>
+        </p:nvPicPr>
+        <p:blipFill>
+          <a:blip r:embed="rId4">
+            <a:extLst>
+              <a:ext uri="{96DAC541-7B7A-43D3-8B79-37D633B846F1}">
+                <asvg:svgBlip xmlns:asvg="http://schemas.microsoft.com/office/drawing/2016/SVG/main" r:embed="rId5"/>
+              </a:ext>
+            </a:extLst>
+          </a:blip>
+          <a:stretch>
+            <a:fillRect/>
+          </a:stretch>
+        </p:blipFill>
+        <p:spPr>
+          <a:xfrm>
+            <a:off x="1080459" y="-629514"/>
+            <a:ext cx="914400" cy="914400"/>
+          </a:xfrm>
+          <a:prstGeom prst="rect">
+            <a:avLst/>
+          </a:prstGeom>
+        </p:spPr>
+      </p:pic>
+      <p:pic>
+        <p:nvPicPr>
+          <p:cNvPr id="5" name="Graphic 4" descr="House with solid fill">
+            <a:extLst>
+              <a:ext uri="{FF2B5EF4-FFF2-40B4-BE49-F238E27FC236}">
+                <a16:creationId xmlns:a16="http://schemas.microsoft.com/office/drawing/2014/main" id="{8E59A116-9B41-F14D-1946-23B12657B70D}"/>
+              </a:ext>
+            </a:extLst>
+          </p:cNvPr>
+          <p:cNvPicPr>
+            <a:picLocks noChangeAspect="1"/>
+          </p:cNvPicPr>
+          <p:nvPr/>
+        </p:nvPicPr>
+        <p:blipFill>
+          <a:blip r:embed="rId6">
+            <a:extLst>
+              <a:ext uri="{96DAC541-7B7A-43D3-8B79-37D633B846F1}">
+                <asvg:svgBlip xmlns:asvg="http://schemas.microsoft.com/office/drawing/2016/SVG/main" r:embed="rId7"/>
+              </a:ext>
+            </a:extLst>
+          </a:blip>
+          <a:stretch>
+            <a:fillRect/>
+          </a:stretch>
+        </p:blipFill>
+        <p:spPr>
+          <a:xfrm>
+            <a:off x="10363200" y="-814997"/>
+            <a:ext cx="914400" cy="914400"/>
+          </a:xfrm>
+          <a:prstGeom prst="rect">
+            <a:avLst/>
+          </a:prstGeom>
+        </p:spPr>
+      </p:pic>
+      <p:pic>
+        <p:nvPicPr>
+          <p:cNvPr id="7" name="Graphic 6" descr="Barn with solid fill">
+            <a:extLst>
+              <a:ext uri="{FF2B5EF4-FFF2-40B4-BE49-F238E27FC236}">
+                <a16:creationId xmlns:a16="http://schemas.microsoft.com/office/drawing/2014/main" id="{A397F70F-0626-55D1-5052-D8AAB58F8E00}"/>
+              </a:ext>
+            </a:extLst>
+          </p:cNvPr>
+          <p:cNvPicPr>
+            <a:picLocks noChangeAspect="1"/>
+          </p:cNvPicPr>
+          <p:nvPr/>
+        </p:nvPicPr>
+        <p:blipFill>
+          <a:blip r:embed="rId8">
+            <a:extLst>
+              <a:ext uri="{96DAC541-7B7A-43D3-8B79-37D633B846F1}">
+                <asvg:svgBlip xmlns:asvg="http://schemas.microsoft.com/office/drawing/2016/SVG/main" r:embed="rId9"/>
+              </a:ext>
+            </a:extLst>
+          </a:blip>
+          <a:stretch>
+            <a:fillRect/>
+          </a:stretch>
+        </p:blipFill>
+        <p:spPr>
+          <a:xfrm>
+            <a:off x="11235484" y="-816677"/>
+            <a:ext cx="914400" cy="914400"/>
+          </a:xfrm>
+          <a:prstGeom prst="rect">
+            <a:avLst/>
+          </a:prstGeom>
+        </p:spPr>
+      </p:pic>
+      <p:pic>
+        <p:nvPicPr>
+          <p:cNvPr id="11" name="Picture 10">
+            <a:extLst>
+              <a:ext uri="{FF2B5EF4-FFF2-40B4-BE49-F238E27FC236}">
+                <a16:creationId xmlns:a16="http://schemas.microsoft.com/office/drawing/2014/main" id="{34A7255F-0AA5-21F4-A32A-E2271AA7C061}"/>
+              </a:ext>
+            </a:extLst>
+          </p:cNvPr>
+          <p:cNvPicPr>
+            <a:picLocks noChangeAspect="1"/>
+          </p:cNvPicPr>
+          <p:nvPr/>
+        </p:nvPicPr>
+        <p:blipFill>
+          <a:blip r:embed="rId10"/>
+          <a:srcRect t="5675"/>
+          <a:stretch/>
+        </p:blipFill>
+        <p:spPr>
+          <a:xfrm rot="5400000">
+            <a:off x="3619706" y="-1678861"/>
+            <a:ext cx="4854290" cy="10982325"/>
+          </a:xfrm>
+          <a:prstGeom prst="rect">
+            <a:avLst/>
+          </a:prstGeom>
+        </p:spPr>
+      </p:pic>
+      <p:sp>
+        <p:nvSpPr>
+          <p:cNvPr id="12" name="TextBox 11">
+            <a:extLst>
+              <a:ext uri="{FF2B5EF4-FFF2-40B4-BE49-F238E27FC236}">
+                <a16:creationId xmlns:a16="http://schemas.microsoft.com/office/drawing/2014/main" id="{8A9D235C-E3E3-52E2-7183-5A686F9BBE1F}"/>
+              </a:ext>
+            </a:extLst>
+          </p:cNvPr>
+          <p:cNvSpPr txBox="1"/>
+          <p:nvPr/>
+        </p:nvSpPr>
+        <p:spPr>
+          <a:xfrm>
+            <a:off x="2969587" y="135323"/>
+            <a:ext cx="9253704" cy="1107996"/>
+          </a:xfrm>
+          <a:prstGeom prst="rect">
+            <a:avLst/>
+          </a:prstGeom>
+          <a:noFill/>
+        </p:spPr>
+        <p:txBody>
+          <a:bodyPr wrap="square">
+            <a:spAutoFit/>
+          </a:bodyPr>
+          <a:lstStyle/>
+          <a:p>
+            <a:r>
+              <a:rPr lang="en-US" sz="6600" b="1" dirty="0">
+                <a:solidFill>
+                  <a:schemeClr val="bg1"/>
+                </a:solidFill>
+              </a:rPr>
+              <a:t>- USE CASE DIAGRAM</a:t>
+            </a:r>
+          </a:p>
+        </p:txBody>
+      </p:sp>
+      <p:pic>
+        <p:nvPicPr>
+          <p:cNvPr id="13" name="Picture 12">
+            <a:extLst>
+              <a:ext uri="{FF2B5EF4-FFF2-40B4-BE49-F238E27FC236}">
+                <a16:creationId xmlns:a16="http://schemas.microsoft.com/office/drawing/2014/main" id="{44AF75B3-40FC-D056-C8BB-7512B292E974}"/>
+              </a:ext>
+            </a:extLst>
+          </p:cNvPr>
+          <p:cNvPicPr>
+            <a:picLocks noChangeAspect="1"/>
+          </p:cNvPicPr>
+          <p:nvPr/>
+        </p:nvPicPr>
+        <p:blipFill>
+          <a:blip r:embed="rId11"/>
+          <a:stretch>
+            <a:fillRect/>
+          </a:stretch>
+        </p:blipFill>
+        <p:spPr>
+          <a:xfrm>
+            <a:off x="3669866" y="7165700"/>
+            <a:ext cx="8190497" cy="13532125"/>
+          </a:xfrm>
+          <a:prstGeom prst="rect">
+            <a:avLst/>
+          </a:prstGeom>
+        </p:spPr>
+      </p:pic>
+    </p:spTree>
+    <p:extLst>
+      <p:ext uri="{BB962C8B-B14F-4D97-AF65-F5344CB8AC3E}">
+        <p14:creationId xmlns:p14="http://schemas.microsoft.com/office/powerpoint/2010/main" val="2133021849"/>
+      </p:ext>
+    </p:extLst>
+  </p:cSld>
+  <p:clrMapOvr>
+    <a:masterClrMapping/>
+  </p:clrMapOvr>
   <mc:AlternateContent xmlns:mc="http://schemas.openxmlformats.org/markup-compatibility/2006">
     <mc:Choice xmlns:p159="http://schemas.microsoft.com/office/powerpoint/2015/09/main" Requires="p159">
-      <p:transition spd="slow">
+      <p:transition xmlns:p14="http://schemas.microsoft.com/office/powerpoint/2010/main" spd="slow" p14:dur="2000">
         <p159:morph option="byObject"/>
       </p:transition>
     </mc:Choice>
@@ -23080,7 +23756,2255 @@
 </p:sld>
 </file>
 
-<file path=ppt/slides/slide18.xml><?xml version="1.0" encoding="utf-8"?>
+<file path=ppt/slides/slide19.xml><?xml version="1.0" encoding="utf-8"?>
+<p:sld xmlns:a="http://schemas.openxmlformats.org/drawingml/2006/main" xmlns:r="http://schemas.openxmlformats.org/officeDocument/2006/relationships" xmlns:p="http://schemas.openxmlformats.org/presentationml/2006/main">
+  <p:cSld>
+    <p:spTree>
+      <p:nvGrpSpPr>
+        <p:cNvPr id="1" name="">
+          <a:extLst>
+            <a:ext uri="{FF2B5EF4-FFF2-40B4-BE49-F238E27FC236}">
+              <a16:creationId xmlns:a16="http://schemas.microsoft.com/office/drawing/2014/main" id="{47A22718-3B97-C47A-746C-1E9F3DD7E122}"/>
+            </a:ext>
+          </a:extLst>
+        </p:cNvPr>
+        <p:cNvGrpSpPr/>
+        <p:nvPr/>
+      </p:nvGrpSpPr>
+      <p:grpSpPr>
+        <a:xfrm>
+          <a:off x="0" y="0"/>
+          <a:ext cx="0" cy="0"/>
+          <a:chOff x="0" y="0"/>
+          <a:chExt cx="0" cy="0"/>
+        </a:xfrm>
+      </p:grpSpPr>
+      <p:sp>
+        <p:nvSpPr>
+          <p:cNvPr id="23" name="Rectangle 22">
+            <a:extLst>
+              <a:ext uri="{FF2B5EF4-FFF2-40B4-BE49-F238E27FC236}">
+                <a16:creationId xmlns:a16="http://schemas.microsoft.com/office/drawing/2014/main" id="{E5322BA9-AA44-67DA-8003-860069C79D3C}"/>
+              </a:ext>
+            </a:extLst>
+          </p:cNvPr>
+          <p:cNvSpPr>
+            <a:spLocks/>
+          </p:cNvSpPr>
+          <p:nvPr/>
+        </p:nvSpPr>
+        <p:spPr>
+          <a:xfrm>
+            <a:off x="503" y="0"/>
+            <a:ext cx="12192000" cy="6858000"/>
+          </a:xfrm>
+          <a:prstGeom prst="rect">
+            <a:avLst/>
+          </a:prstGeom>
+          <a:gradFill>
+            <a:gsLst>
+              <a:gs pos="0">
+                <a:schemeClr val="accent6">
+                  <a:lumMod val="23000"/>
+                </a:schemeClr>
+              </a:gs>
+              <a:gs pos="100000">
+                <a:schemeClr val="accent6">
+                  <a:lumMod val="26000"/>
+                </a:schemeClr>
+              </a:gs>
+              <a:gs pos="100000">
+                <a:schemeClr val="accent6">
+                  <a:lumMod val="19000"/>
+                </a:schemeClr>
+              </a:gs>
+            </a:gsLst>
+            <a:lin ang="5400000" scaled="0"/>
+          </a:gradFill>
+        </p:spPr>
+        <p:style>
+          <a:lnRef idx="2">
+            <a:schemeClr val="accent1">
+              <a:shade val="15000"/>
+            </a:schemeClr>
+          </a:lnRef>
+          <a:fillRef idx="1">
+            <a:schemeClr val="accent1"/>
+          </a:fillRef>
+          <a:effectRef idx="0">
+            <a:schemeClr val="accent1"/>
+          </a:effectRef>
+          <a:fontRef idx="minor">
+            <a:schemeClr val="lt1"/>
+          </a:fontRef>
+        </p:style>
+        <p:txBody>
+          <a:bodyPr rtlCol="0" anchor="ctr"/>
+          <a:lstStyle/>
+          <a:p>
+            <a:pPr algn="ctr"/>
+            <a:endParaRPr lang="en-US" dirty="0"/>
+          </a:p>
+        </p:txBody>
+      </p:sp>
+      <p:sp>
+        <p:nvSpPr>
+          <p:cNvPr id="6" name="TextBox 5">
+            <a:extLst>
+              <a:ext uri="{FF2B5EF4-FFF2-40B4-BE49-F238E27FC236}">
+                <a16:creationId xmlns:a16="http://schemas.microsoft.com/office/drawing/2014/main" id="{D2FD595E-AD07-37B9-E5A6-38C75E89D3EF}"/>
+              </a:ext>
+            </a:extLst>
+          </p:cNvPr>
+          <p:cNvSpPr txBox="1"/>
+          <p:nvPr/>
+        </p:nvSpPr>
+        <p:spPr>
+          <a:xfrm>
+            <a:off x="-332139" y="295065"/>
+            <a:ext cx="3669866" cy="1107996"/>
+          </a:xfrm>
+          <a:prstGeom prst="rect">
+            <a:avLst/>
+          </a:prstGeom>
+          <a:noFill/>
+        </p:spPr>
+        <p:txBody>
+          <a:bodyPr wrap="square">
+            <a:spAutoFit/>
+          </a:bodyPr>
+          <a:lstStyle/>
+          <a:p>
+            <a:pPr algn="ctr"/>
+            <a:r>
+              <a:rPr lang="en-US" sz="6600" b="1" dirty="0">
+                <a:solidFill>
+                  <a:schemeClr val="bg1"/>
+                </a:solidFill>
+              </a:rPr>
+              <a:t>LIORA</a:t>
+            </a:r>
+          </a:p>
+        </p:txBody>
+      </p:sp>
+      <p:sp>
+        <p:nvSpPr>
+          <p:cNvPr id="8" name="TextBox 7">
+            <a:extLst>
+              <a:ext uri="{FF2B5EF4-FFF2-40B4-BE49-F238E27FC236}">
+                <a16:creationId xmlns:a16="http://schemas.microsoft.com/office/drawing/2014/main" id="{D0C95AF3-EDF3-0B74-DD90-21068784D2A0}"/>
+              </a:ext>
+            </a:extLst>
+          </p:cNvPr>
+          <p:cNvSpPr txBox="1"/>
+          <p:nvPr/>
+        </p:nvSpPr>
+        <p:spPr>
+          <a:xfrm>
+            <a:off x="-166069" y="1163820"/>
+            <a:ext cx="3669865" cy="830997"/>
+          </a:xfrm>
+          <a:prstGeom prst="rect">
+            <a:avLst/>
+          </a:prstGeom>
+          <a:noFill/>
+        </p:spPr>
+        <p:txBody>
+          <a:bodyPr wrap="square">
+            <a:spAutoFit/>
+          </a:bodyPr>
+          <a:lstStyle/>
+          <a:p>
+            <a:pPr algn="ctr"/>
+            <a:r>
+              <a:rPr lang="en-US" sz="2400" b="1" dirty="0">
+                <a:solidFill>
+                  <a:schemeClr val="bg1"/>
+                </a:solidFill>
+              </a:rPr>
+              <a:t>ACTIVITY DIAGRAM </a:t>
+            </a:r>
+          </a:p>
+          <a:p>
+            <a:pPr algn="ctr"/>
+            <a:endParaRPr lang="en-US" sz="2400" b="1" dirty="0">
+              <a:solidFill>
+                <a:schemeClr val="bg1"/>
+              </a:solidFill>
+            </a:endParaRPr>
+          </a:p>
+        </p:txBody>
+      </p:sp>
+      <p:pic>
+        <p:nvPicPr>
+          <p:cNvPr id="2" name="Graphic 1" descr="Store with solid fill">
+            <a:extLst>
+              <a:ext uri="{FF2B5EF4-FFF2-40B4-BE49-F238E27FC236}">
+                <a16:creationId xmlns:a16="http://schemas.microsoft.com/office/drawing/2014/main" id="{E0D3B8AB-7C09-121B-D838-EC56240112F2}"/>
+              </a:ext>
+            </a:extLst>
+          </p:cNvPr>
+          <p:cNvPicPr>
+            <a:picLocks noChangeAspect="1"/>
+          </p:cNvPicPr>
+          <p:nvPr/>
+        </p:nvPicPr>
+        <p:blipFill>
+          <a:blip r:embed="rId2">
+            <a:extLst>
+              <a:ext uri="{96DAC541-7B7A-43D3-8B79-37D633B846F1}">
+                <asvg:svgBlip xmlns:asvg="http://schemas.microsoft.com/office/drawing/2016/SVG/main" r:embed="rId3"/>
+              </a:ext>
+            </a:extLst>
+          </a:blip>
+          <a:stretch>
+            <a:fillRect/>
+          </a:stretch>
+        </p:blipFill>
+        <p:spPr>
+          <a:xfrm>
+            <a:off x="-61073" y="-1007756"/>
+            <a:ext cx="1242828" cy="1213130"/>
+          </a:xfrm>
+          <a:prstGeom prst="rect">
+            <a:avLst/>
+          </a:prstGeom>
+        </p:spPr>
+      </p:pic>
+      <p:pic>
+        <p:nvPicPr>
+          <p:cNvPr id="3" name="Graphic 2" descr="Convertible with solid fill">
+            <a:extLst>
+              <a:ext uri="{FF2B5EF4-FFF2-40B4-BE49-F238E27FC236}">
+                <a16:creationId xmlns:a16="http://schemas.microsoft.com/office/drawing/2014/main" id="{2CBCBFC5-B370-F372-33DF-5690B01AD15F}"/>
+              </a:ext>
+            </a:extLst>
+          </p:cNvPr>
+          <p:cNvPicPr>
+            <a:picLocks noChangeAspect="1"/>
+          </p:cNvPicPr>
+          <p:nvPr/>
+        </p:nvPicPr>
+        <p:blipFill>
+          <a:blip r:embed="rId4">
+            <a:extLst>
+              <a:ext uri="{96DAC541-7B7A-43D3-8B79-37D633B846F1}">
+                <asvg:svgBlip xmlns:asvg="http://schemas.microsoft.com/office/drawing/2016/SVG/main" r:embed="rId5"/>
+              </a:ext>
+            </a:extLst>
+          </a:blip>
+          <a:stretch>
+            <a:fillRect/>
+          </a:stretch>
+        </p:blipFill>
+        <p:spPr>
+          <a:xfrm>
+            <a:off x="1080459" y="-629514"/>
+            <a:ext cx="914400" cy="914400"/>
+          </a:xfrm>
+          <a:prstGeom prst="rect">
+            <a:avLst/>
+          </a:prstGeom>
+        </p:spPr>
+      </p:pic>
+      <p:pic>
+        <p:nvPicPr>
+          <p:cNvPr id="5" name="Graphic 4" descr="House with solid fill">
+            <a:extLst>
+              <a:ext uri="{FF2B5EF4-FFF2-40B4-BE49-F238E27FC236}">
+                <a16:creationId xmlns:a16="http://schemas.microsoft.com/office/drawing/2014/main" id="{8D8816E4-CAE1-2697-B7ED-D98985EEE849}"/>
+              </a:ext>
+            </a:extLst>
+          </p:cNvPr>
+          <p:cNvPicPr>
+            <a:picLocks noChangeAspect="1"/>
+          </p:cNvPicPr>
+          <p:nvPr/>
+        </p:nvPicPr>
+        <p:blipFill>
+          <a:blip r:embed="rId6">
+            <a:extLst>
+              <a:ext uri="{96DAC541-7B7A-43D3-8B79-37D633B846F1}">
+                <asvg:svgBlip xmlns:asvg="http://schemas.microsoft.com/office/drawing/2016/SVG/main" r:embed="rId7"/>
+              </a:ext>
+            </a:extLst>
+          </a:blip>
+          <a:stretch>
+            <a:fillRect/>
+          </a:stretch>
+        </p:blipFill>
+        <p:spPr>
+          <a:xfrm>
+            <a:off x="10363200" y="-814997"/>
+            <a:ext cx="914400" cy="914400"/>
+          </a:xfrm>
+          <a:prstGeom prst="rect">
+            <a:avLst/>
+          </a:prstGeom>
+        </p:spPr>
+      </p:pic>
+      <p:pic>
+        <p:nvPicPr>
+          <p:cNvPr id="7" name="Graphic 6" descr="Barn with solid fill">
+            <a:extLst>
+              <a:ext uri="{FF2B5EF4-FFF2-40B4-BE49-F238E27FC236}">
+                <a16:creationId xmlns:a16="http://schemas.microsoft.com/office/drawing/2014/main" id="{FF3CD0FB-C1EF-86D0-E318-8B5E218AA474}"/>
+              </a:ext>
+            </a:extLst>
+          </p:cNvPr>
+          <p:cNvPicPr>
+            <a:picLocks noChangeAspect="1"/>
+          </p:cNvPicPr>
+          <p:nvPr/>
+        </p:nvPicPr>
+        <p:blipFill>
+          <a:blip r:embed="rId8">
+            <a:extLst>
+              <a:ext uri="{96DAC541-7B7A-43D3-8B79-37D633B846F1}">
+                <asvg:svgBlip xmlns:asvg="http://schemas.microsoft.com/office/drawing/2016/SVG/main" r:embed="rId9"/>
+              </a:ext>
+            </a:extLst>
+          </a:blip>
+          <a:stretch>
+            <a:fillRect/>
+          </a:stretch>
+        </p:blipFill>
+        <p:spPr>
+          <a:xfrm>
+            <a:off x="11235484" y="-816677"/>
+            <a:ext cx="914400" cy="914400"/>
+          </a:xfrm>
+          <a:prstGeom prst="rect">
+            <a:avLst/>
+          </a:prstGeom>
+        </p:spPr>
+      </p:pic>
+      <p:pic>
+        <p:nvPicPr>
+          <p:cNvPr id="9" name="Picture 8">
+            <a:extLst>
+              <a:ext uri="{FF2B5EF4-FFF2-40B4-BE49-F238E27FC236}">
+                <a16:creationId xmlns:a16="http://schemas.microsoft.com/office/drawing/2014/main" id="{998E7BFA-88EC-812D-7A85-6FC3107897F4}"/>
+              </a:ext>
+            </a:extLst>
+          </p:cNvPr>
+          <p:cNvPicPr>
+            <a:picLocks noChangeAspect="1"/>
+          </p:cNvPicPr>
+          <p:nvPr/>
+        </p:nvPicPr>
+        <p:blipFill>
+          <a:blip r:embed="rId10"/>
+          <a:stretch>
+            <a:fillRect/>
+          </a:stretch>
+        </p:blipFill>
+        <p:spPr>
+          <a:xfrm>
+            <a:off x="3669866" y="545825"/>
+            <a:ext cx="8190497" cy="13532125"/>
+          </a:xfrm>
+          <a:prstGeom prst="rect">
+            <a:avLst/>
+          </a:prstGeom>
+        </p:spPr>
+      </p:pic>
+      <p:pic>
+        <p:nvPicPr>
+          <p:cNvPr id="10" name="Picture 9">
+            <a:extLst>
+              <a:ext uri="{FF2B5EF4-FFF2-40B4-BE49-F238E27FC236}">
+                <a16:creationId xmlns:a16="http://schemas.microsoft.com/office/drawing/2014/main" id="{A62E7CF2-D04A-DB79-C3A3-179BBBC6CFB7}"/>
+              </a:ext>
+            </a:extLst>
+          </p:cNvPr>
+          <p:cNvPicPr>
+            <a:picLocks noChangeAspect="1"/>
+          </p:cNvPicPr>
+          <p:nvPr/>
+        </p:nvPicPr>
+        <p:blipFill>
+          <a:blip r:embed="rId11"/>
+          <a:srcRect t="5675"/>
+          <a:stretch/>
+        </p:blipFill>
+        <p:spPr>
+          <a:xfrm rot="5400000">
+            <a:off x="-8248444" y="-1678861"/>
+            <a:ext cx="4854290" cy="10982325"/>
+          </a:xfrm>
+          <a:prstGeom prst="rect">
+            <a:avLst/>
+          </a:prstGeom>
+        </p:spPr>
+      </p:pic>
+      <p:sp>
+        <p:nvSpPr>
+          <p:cNvPr id="18" name="TextBox 17">
+            <a:extLst>
+              <a:ext uri="{FF2B5EF4-FFF2-40B4-BE49-F238E27FC236}">
+                <a16:creationId xmlns:a16="http://schemas.microsoft.com/office/drawing/2014/main" id="{4FF89657-86EA-73D0-2727-DBF8D5380110}"/>
+              </a:ext>
+            </a:extLst>
+          </p:cNvPr>
+          <p:cNvSpPr txBox="1"/>
+          <p:nvPr/>
+        </p:nvSpPr>
+        <p:spPr>
+          <a:xfrm>
+            <a:off x="216694" y="1779526"/>
+            <a:ext cx="3121032" cy="4801314"/>
+          </a:xfrm>
+          <a:prstGeom prst="rect">
+            <a:avLst/>
+          </a:prstGeom>
+          <a:noFill/>
+        </p:spPr>
+        <p:txBody>
+          <a:bodyPr wrap="square">
+            <a:spAutoFit/>
+          </a:bodyPr>
+          <a:lstStyle/>
+          <a:p>
+            <a:pPr marL="0" marR="0" lvl="0" indent="0" algn="l" defTabSz="914400" rtl="0" eaLnBrk="0" fontAlgn="base" latinLnBrk="0" hangingPunct="0">
+              <a:lnSpc>
+                <a:spcPct val="100000"/>
+              </a:lnSpc>
+              <a:spcBef>
+                <a:spcPct val="0"/>
+              </a:spcBef>
+              <a:spcAft>
+                <a:spcPct val="0"/>
+              </a:spcAft>
+              <a:buClrTx/>
+              <a:buSzTx/>
+              <a:buFontTx/>
+              <a:buChar char="•"/>
+              <a:tabLst/>
+            </a:pPr>
+            <a:r>
+              <a:rPr kumimoji="0" lang="en-US" altLang="en-US" sz="1800" b="1" i="0" u="none" strike="noStrike" cap="none" normalizeH="0" baseline="0" dirty="0">
+                <a:ln>
+                  <a:noFill/>
+                </a:ln>
+                <a:solidFill>
+                  <a:schemeClr val="bg1"/>
+                </a:solidFill>
+                <a:effectLst/>
+                <a:latin typeface="Arial" panose="020B0604020202020204" pitchFamily="34" charset="0"/>
+              </a:rPr>
+              <a:t>Entry</a:t>
+            </a:r>
+            <a:r>
+              <a:rPr kumimoji="0" lang="en-US" altLang="en-US" sz="1800" b="0" i="0" u="none" strike="noStrike" cap="none" normalizeH="0" baseline="0" dirty="0">
+                <a:ln>
+                  <a:noFill/>
+                </a:ln>
+                <a:solidFill>
+                  <a:schemeClr val="bg1"/>
+                </a:solidFill>
+                <a:effectLst/>
+                <a:latin typeface="Arial" panose="020B0604020202020204" pitchFamily="34" charset="0"/>
+              </a:rPr>
+              <a:t>: Customer enters, and the system starts monitoring.</a:t>
+            </a:r>
+          </a:p>
+          <a:p>
+            <a:pPr marL="0" marR="0" lvl="0" indent="0" algn="l" defTabSz="914400" rtl="0" eaLnBrk="0" fontAlgn="base" latinLnBrk="0" hangingPunct="0">
+              <a:lnSpc>
+                <a:spcPct val="100000"/>
+              </a:lnSpc>
+              <a:spcBef>
+                <a:spcPct val="0"/>
+              </a:spcBef>
+              <a:spcAft>
+                <a:spcPct val="0"/>
+              </a:spcAft>
+              <a:buClrTx/>
+              <a:buSzTx/>
+              <a:buFontTx/>
+              <a:buChar char="•"/>
+              <a:tabLst/>
+            </a:pPr>
+            <a:endParaRPr kumimoji="0" lang="en-US" altLang="en-US" sz="1800" b="0" i="0" u="none" strike="noStrike" cap="none" normalizeH="0" baseline="0" dirty="0">
+              <a:ln>
+                <a:noFill/>
+              </a:ln>
+              <a:solidFill>
+                <a:schemeClr val="bg1"/>
+              </a:solidFill>
+              <a:effectLst/>
+              <a:latin typeface="Arial" panose="020B0604020202020204" pitchFamily="34" charset="0"/>
+            </a:endParaRPr>
+          </a:p>
+          <a:p>
+            <a:pPr marL="0" marR="0" lvl="0" indent="0" algn="l" defTabSz="914400" rtl="0" eaLnBrk="0" fontAlgn="base" latinLnBrk="0" hangingPunct="0">
+              <a:lnSpc>
+                <a:spcPct val="100000"/>
+              </a:lnSpc>
+              <a:spcBef>
+                <a:spcPct val="0"/>
+              </a:spcBef>
+              <a:spcAft>
+                <a:spcPct val="0"/>
+              </a:spcAft>
+              <a:buClrTx/>
+              <a:buSzTx/>
+              <a:buFontTx/>
+              <a:buChar char="•"/>
+              <a:tabLst/>
+            </a:pPr>
+            <a:r>
+              <a:rPr kumimoji="0" lang="en-US" altLang="en-US" sz="1800" b="1" i="0" u="none" strike="noStrike" cap="none" normalizeH="0" baseline="0" dirty="0">
+                <a:ln>
+                  <a:noFill/>
+                </a:ln>
+                <a:solidFill>
+                  <a:schemeClr val="bg1"/>
+                </a:solidFill>
+                <a:effectLst/>
+                <a:latin typeface="Arial" panose="020B0604020202020204" pitchFamily="34" charset="0"/>
+              </a:rPr>
+              <a:t>Shopping</a:t>
+            </a:r>
+            <a:r>
+              <a:rPr kumimoji="0" lang="en-US" altLang="en-US" sz="1800" b="0" i="0" u="none" strike="noStrike" cap="none" normalizeH="0" baseline="0" dirty="0">
+                <a:ln>
+                  <a:noFill/>
+                </a:ln>
+                <a:solidFill>
+                  <a:schemeClr val="bg1"/>
+                </a:solidFill>
+                <a:effectLst/>
+                <a:latin typeface="Arial" panose="020B0604020202020204" pitchFamily="34" charset="0"/>
+              </a:rPr>
+              <a:t>: Customers browse, get recommendations, and add items to the cart.</a:t>
+            </a:r>
+          </a:p>
+          <a:p>
+            <a:pPr marL="0" marR="0" lvl="0" indent="0" algn="l" defTabSz="914400" rtl="0" eaLnBrk="0" fontAlgn="base" latinLnBrk="0" hangingPunct="0">
+              <a:lnSpc>
+                <a:spcPct val="100000"/>
+              </a:lnSpc>
+              <a:spcBef>
+                <a:spcPct val="0"/>
+              </a:spcBef>
+              <a:spcAft>
+                <a:spcPct val="0"/>
+              </a:spcAft>
+              <a:buClrTx/>
+              <a:buSzTx/>
+              <a:buFontTx/>
+              <a:buChar char="•"/>
+              <a:tabLst/>
+            </a:pPr>
+            <a:endParaRPr kumimoji="0" lang="en-US" altLang="en-US" sz="1800" b="0" i="0" u="none" strike="noStrike" cap="none" normalizeH="0" baseline="0" dirty="0">
+              <a:ln>
+                <a:noFill/>
+              </a:ln>
+              <a:solidFill>
+                <a:schemeClr val="bg1"/>
+              </a:solidFill>
+              <a:effectLst/>
+              <a:latin typeface="Arial" panose="020B0604020202020204" pitchFamily="34" charset="0"/>
+            </a:endParaRPr>
+          </a:p>
+          <a:p>
+            <a:pPr marL="0" marR="0" lvl="0" indent="0" algn="l" defTabSz="914400" rtl="0" eaLnBrk="0" fontAlgn="base" latinLnBrk="0" hangingPunct="0">
+              <a:lnSpc>
+                <a:spcPct val="100000"/>
+              </a:lnSpc>
+              <a:spcBef>
+                <a:spcPct val="0"/>
+              </a:spcBef>
+              <a:spcAft>
+                <a:spcPct val="0"/>
+              </a:spcAft>
+              <a:buClrTx/>
+              <a:buSzTx/>
+              <a:buFontTx/>
+              <a:buChar char="•"/>
+              <a:tabLst/>
+            </a:pPr>
+            <a:r>
+              <a:rPr kumimoji="0" lang="en-US" altLang="en-US" sz="1800" b="1" i="0" u="none" strike="noStrike" cap="none" normalizeH="0" baseline="0" dirty="0">
+                <a:ln>
+                  <a:noFill/>
+                </a:ln>
+                <a:solidFill>
+                  <a:schemeClr val="bg1"/>
+                </a:solidFill>
+                <a:effectLst/>
+                <a:latin typeface="Arial" panose="020B0604020202020204" pitchFamily="34" charset="0"/>
+              </a:rPr>
+              <a:t>Checkout</a:t>
+            </a:r>
+            <a:r>
+              <a:rPr kumimoji="0" lang="en-US" altLang="en-US" sz="1800" b="0" i="0" u="none" strike="noStrike" cap="none" normalizeH="0" baseline="0" dirty="0">
+                <a:ln>
+                  <a:noFill/>
+                </a:ln>
+                <a:solidFill>
+                  <a:schemeClr val="bg1"/>
+                </a:solidFill>
+                <a:effectLst/>
+                <a:latin typeface="Arial" panose="020B0604020202020204" pitchFamily="34" charset="0"/>
+              </a:rPr>
+              <a:t>: If ready, automated checkout begins with scanning, payment, and receipt generation.</a:t>
+            </a:r>
+          </a:p>
+          <a:p>
+            <a:pPr marL="0" marR="0" lvl="0" indent="0" algn="l" defTabSz="914400" rtl="0" eaLnBrk="0" fontAlgn="base" latinLnBrk="0" hangingPunct="0">
+              <a:lnSpc>
+                <a:spcPct val="100000"/>
+              </a:lnSpc>
+              <a:spcBef>
+                <a:spcPct val="0"/>
+              </a:spcBef>
+              <a:spcAft>
+                <a:spcPct val="0"/>
+              </a:spcAft>
+              <a:buClrTx/>
+              <a:buSzTx/>
+              <a:buFontTx/>
+              <a:buChar char="•"/>
+              <a:tabLst/>
+            </a:pPr>
+            <a:endParaRPr kumimoji="0" lang="en-US" altLang="en-US" sz="1800" b="0" i="0" u="none" strike="noStrike" cap="none" normalizeH="0" baseline="0" dirty="0">
+              <a:ln>
+                <a:noFill/>
+              </a:ln>
+              <a:solidFill>
+                <a:schemeClr val="bg1"/>
+              </a:solidFill>
+              <a:effectLst/>
+              <a:latin typeface="Arial" panose="020B0604020202020204" pitchFamily="34" charset="0"/>
+            </a:endParaRPr>
+          </a:p>
+          <a:p>
+            <a:pPr marL="0" marR="0" lvl="0" indent="0" algn="l" defTabSz="914400" rtl="0" eaLnBrk="0" fontAlgn="base" latinLnBrk="0" hangingPunct="0">
+              <a:lnSpc>
+                <a:spcPct val="100000"/>
+              </a:lnSpc>
+              <a:spcBef>
+                <a:spcPct val="0"/>
+              </a:spcBef>
+              <a:spcAft>
+                <a:spcPct val="0"/>
+              </a:spcAft>
+              <a:buClrTx/>
+              <a:buSzTx/>
+              <a:buFontTx/>
+              <a:buChar char="•"/>
+              <a:tabLst/>
+            </a:pPr>
+            <a:r>
+              <a:rPr kumimoji="0" lang="en-US" altLang="en-US" sz="1800" b="1" i="0" u="none" strike="noStrike" cap="none" normalizeH="0" baseline="0" dirty="0">
+                <a:ln>
+                  <a:noFill/>
+                </a:ln>
+                <a:solidFill>
+                  <a:schemeClr val="bg1"/>
+                </a:solidFill>
+                <a:effectLst/>
+                <a:latin typeface="Arial" panose="020B0604020202020204" pitchFamily="34" charset="0"/>
+              </a:rPr>
+              <a:t>Exit</a:t>
+            </a:r>
+            <a:r>
+              <a:rPr kumimoji="0" lang="en-US" altLang="en-US" sz="1800" b="0" i="0" u="none" strike="noStrike" cap="none" normalizeH="0" baseline="0" dirty="0">
+                <a:ln>
+                  <a:noFill/>
+                </a:ln>
+                <a:solidFill>
+                  <a:schemeClr val="bg1"/>
+                </a:solidFill>
+                <a:effectLst/>
+                <a:latin typeface="Arial" panose="020B0604020202020204" pitchFamily="34" charset="0"/>
+              </a:rPr>
+              <a:t>: Inventory and customer data are updated, and monitoring ends </a:t>
+            </a:r>
+          </a:p>
+        </p:txBody>
+      </p:sp>
+      <p:pic>
+        <p:nvPicPr>
+          <p:cNvPr id="19" name="Picture 18">
+            <a:extLst>
+              <a:ext uri="{FF2B5EF4-FFF2-40B4-BE49-F238E27FC236}">
+                <a16:creationId xmlns:a16="http://schemas.microsoft.com/office/drawing/2014/main" id="{A979597C-C155-5E03-59CA-A0CEE6268969}"/>
+              </a:ext>
+            </a:extLst>
+          </p:cNvPr>
+          <p:cNvPicPr>
+            <a:picLocks noChangeAspect="1"/>
+          </p:cNvPicPr>
+          <p:nvPr/>
+        </p:nvPicPr>
+        <p:blipFill>
+          <a:blip r:embed="rId12"/>
+          <a:srcRect t="862" b="1868"/>
+          <a:stretch/>
+        </p:blipFill>
+        <p:spPr>
+          <a:xfrm rot="5400000">
+            <a:off x="2794675" y="5022422"/>
+            <a:ext cx="6299345" cy="10582274"/>
+          </a:xfrm>
+          <a:prstGeom prst="rect">
+            <a:avLst/>
+          </a:prstGeom>
+        </p:spPr>
+      </p:pic>
+    </p:spTree>
+    <p:extLst>
+      <p:ext uri="{BB962C8B-B14F-4D97-AF65-F5344CB8AC3E}">
+        <p14:creationId xmlns:p14="http://schemas.microsoft.com/office/powerpoint/2010/main" val="3551723849"/>
+      </p:ext>
+    </p:extLst>
+  </p:cSld>
+  <p:clrMapOvr>
+    <a:masterClrMapping/>
+  </p:clrMapOvr>
+  <mc:AlternateContent xmlns:mc="http://schemas.openxmlformats.org/markup-compatibility/2006">
+    <mc:Choice xmlns:p159="http://schemas.microsoft.com/office/powerpoint/2015/09/main" Requires="p159">
+      <p:transition xmlns:p14="http://schemas.microsoft.com/office/powerpoint/2010/main" spd="slow" p14:dur="2000">
+        <p159:morph option="byObject"/>
+      </p:transition>
+    </mc:Choice>
+    <mc:Fallback>
+      <p:transition spd="slow">
+        <p:fade/>
+      </p:transition>
+    </mc:Fallback>
+  </mc:AlternateContent>
+</p:sld>
+</file>
+
+<file path=ppt/slides/slide2.xml><?xml version="1.0" encoding="utf-8"?>
+<p:sld xmlns:a="http://schemas.openxmlformats.org/drawingml/2006/main" xmlns:r="http://schemas.openxmlformats.org/officeDocument/2006/relationships" xmlns:p="http://schemas.openxmlformats.org/presentationml/2006/main">
+  <p:cSld>
+    <p:spTree>
+      <p:nvGrpSpPr>
+        <p:cNvPr id="1" name=""/>
+        <p:cNvGrpSpPr/>
+        <p:nvPr/>
+      </p:nvGrpSpPr>
+      <p:grpSpPr>
+        <a:xfrm>
+          <a:off x="0" y="0"/>
+          <a:ext cx="0" cy="0"/>
+          <a:chOff x="0" y="0"/>
+          <a:chExt cx="0" cy="0"/>
+        </a:xfrm>
+      </p:grpSpPr>
+      <p:sp>
+        <p:nvSpPr>
+          <p:cNvPr id="39" name="Rectangle 38">
+            <a:extLst>
+              <a:ext uri="{FF2B5EF4-FFF2-40B4-BE49-F238E27FC236}">
+                <a16:creationId xmlns:a16="http://schemas.microsoft.com/office/drawing/2014/main" id="{33357008-7DFA-80C5-D075-398826CDB7F9}"/>
+              </a:ext>
+            </a:extLst>
+          </p:cNvPr>
+          <p:cNvSpPr/>
+          <p:nvPr/>
+        </p:nvSpPr>
+        <p:spPr>
+          <a:xfrm>
+            <a:off x="0" y="5804452"/>
+            <a:ext cx="12192000" cy="1055797"/>
+          </a:xfrm>
+          <a:prstGeom prst="rect">
+            <a:avLst/>
+          </a:prstGeom>
+          <a:gradFill>
+            <a:gsLst>
+              <a:gs pos="0">
+                <a:schemeClr val="accent6">
+                  <a:lumMod val="23000"/>
+                </a:schemeClr>
+              </a:gs>
+              <a:gs pos="100000">
+                <a:schemeClr val="accent6">
+                  <a:lumMod val="26000"/>
+                </a:schemeClr>
+              </a:gs>
+              <a:gs pos="100000">
+                <a:schemeClr val="accent6">
+                  <a:lumMod val="19000"/>
+                </a:schemeClr>
+              </a:gs>
+            </a:gsLst>
+            <a:lin ang="5400000" scaled="0"/>
+          </a:gradFill>
+        </p:spPr>
+        <p:style>
+          <a:lnRef idx="2">
+            <a:schemeClr val="accent1">
+              <a:shade val="15000"/>
+            </a:schemeClr>
+          </a:lnRef>
+          <a:fillRef idx="1">
+            <a:schemeClr val="accent1"/>
+          </a:fillRef>
+          <a:effectRef idx="0">
+            <a:schemeClr val="accent1"/>
+          </a:effectRef>
+          <a:fontRef idx="minor">
+            <a:schemeClr val="lt1"/>
+          </a:fontRef>
+        </p:style>
+        <p:txBody>
+          <a:bodyPr rtlCol="0" anchor="ctr"/>
+          <a:lstStyle/>
+          <a:p>
+            <a:pPr algn="ctr"/>
+            <a:endParaRPr lang="en-US" dirty="0"/>
+          </a:p>
+        </p:txBody>
+      </p:sp>
+      <p:sp>
+        <p:nvSpPr>
+          <p:cNvPr id="51" name="TextBox 50">
+            <a:extLst>
+              <a:ext uri="{FF2B5EF4-FFF2-40B4-BE49-F238E27FC236}">
+                <a16:creationId xmlns:a16="http://schemas.microsoft.com/office/drawing/2014/main" id="{417F70E4-6593-CB57-25BD-34EB14E7D621}"/>
+              </a:ext>
+            </a:extLst>
+          </p:cNvPr>
+          <p:cNvSpPr txBox="1"/>
+          <p:nvPr/>
+        </p:nvSpPr>
+        <p:spPr>
+          <a:xfrm>
+            <a:off x="0" y="324056"/>
+            <a:ext cx="12192000" cy="369332"/>
+          </a:xfrm>
+          <a:prstGeom prst="rect">
+            <a:avLst/>
+          </a:prstGeom>
+          <a:noFill/>
+        </p:spPr>
+        <p:txBody>
+          <a:bodyPr wrap="square">
+            <a:spAutoFit/>
+          </a:bodyPr>
+          <a:lstStyle/>
+          <a:p>
+            <a:pPr algn="ctr"/>
+            <a:r>
+              <a:rPr lang="en-US" dirty="0"/>
+              <a:t>MINOR PROJECT</a:t>
+            </a:r>
+          </a:p>
+        </p:txBody>
+      </p:sp>
+      <p:sp>
+        <p:nvSpPr>
+          <p:cNvPr id="53" name="TextBox 52">
+            <a:extLst>
+              <a:ext uri="{FF2B5EF4-FFF2-40B4-BE49-F238E27FC236}">
+                <a16:creationId xmlns:a16="http://schemas.microsoft.com/office/drawing/2014/main" id="{99D0A419-E741-EFB7-F696-88188C7038D5}"/>
+              </a:ext>
+            </a:extLst>
+          </p:cNvPr>
+          <p:cNvSpPr txBox="1"/>
+          <p:nvPr/>
+        </p:nvSpPr>
+        <p:spPr>
+          <a:xfrm>
+            <a:off x="3042203" y="6019754"/>
+            <a:ext cx="6107594" cy="1200329"/>
+          </a:xfrm>
+          <a:prstGeom prst="rect">
+            <a:avLst/>
+          </a:prstGeom>
+          <a:noFill/>
+        </p:spPr>
+        <p:txBody>
+          <a:bodyPr wrap="square">
+            <a:spAutoFit/>
+          </a:bodyPr>
+          <a:lstStyle/>
+          <a:p>
+            <a:pPr algn="ctr"/>
+            <a:r>
+              <a:rPr lang="en-US" b="1" dirty="0">
+                <a:solidFill>
+                  <a:schemeClr val="bg1"/>
+                </a:solidFill>
+              </a:rPr>
+              <a:t>Presented by</a:t>
+            </a:r>
+          </a:p>
+          <a:p>
+            <a:pPr algn="ctr"/>
+            <a:r>
+              <a:rPr lang="en-US" dirty="0" err="1">
+                <a:solidFill>
+                  <a:schemeClr val="bg1"/>
+                </a:solidFill>
+              </a:rPr>
+              <a:t>Yashvardhan</a:t>
+            </a:r>
+            <a:r>
+              <a:rPr lang="en-US" dirty="0">
+                <a:solidFill>
+                  <a:schemeClr val="bg1"/>
+                </a:solidFill>
+              </a:rPr>
+              <a:t> &amp; Sourav</a:t>
+            </a:r>
+          </a:p>
+          <a:p>
+            <a:pPr algn="ctr"/>
+            <a:endParaRPr lang="en-US" b="1" dirty="0">
+              <a:solidFill>
+                <a:schemeClr val="bg1"/>
+              </a:solidFill>
+            </a:endParaRPr>
+          </a:p>
+          <a:p>
+            <a:pPr algn="ctr"/>
+            <a:endParaRPr lang="en-US" b="1" dirty="0">
+              <a:solidFill>
+                <a:schemeClr val="bg1"/>
+              </a:solidFill>
+            </a:endParaRPr>
+          </a:p>
+        </p:txBody>
+      </p:sp>
+      <p:pic>
+        <p:nvPicPr>
+          <p:cNvPr id="55" name="Graphic 54" descr="Store with solid fill">
+            <a:extLst>
+              <a:ext uri="{FF2B5EF4-FFF2-40B4-BE49-F238E27FC236}">
+                <a16:creationId xmlns:a16="http://schemas.microsoft.com/office/drawing/2014/main" id="{0F8E7ACC-A756-A0F0-D6E4-72F3C3FA498C}"/>
+              </a:ext>
+            </a:extLst>
+          </p:cNvPr>
+          <p:cNvPicPr>
+            <a:picLocks noChangeAspect="1"/>
+          </p:cNvPicPr>
+          <p:nvPr/>
+        </p:nvPicPr>
+        <p:blipFill>
+          <a:blip r:embed="rId2">
+            <a:extLst>
+              <a:ext uri="{96DAC541-7B7A-43D3-8B79-37D633B846F1}">
+                <asvg:svgBlip xmlns:asvg="http://schemas.microsoft.com/office/drawing/2016/SVG/main" r:embed="rId3"/>
+              </a:ext>
+            </a:extLst>
+          </a:blip>
+          <a:stretch>
+            <a:fillRect/>
+          </a:stretch>
+        </p:blipFill>
+        <p:spPr>
+          <a:xfrm>
+            <a:off x="-61073" y="4806624"/>
+            <a:ext cx="1242828" cy="1213130"/>
+          </a:xfrm>
+          <a:prstGeom prst="rect">
+            <a:avLst/>
+          </a:prstGeom>
+        </p:spPr>
+      </p:pic>
+      <p:pic>
+        <p:nvPicPr>
+          <p:cNvPr id="63" name="Graphic 62" descr="House with solid fill">
+            <a:extLst>
+              <a:ext uri="{FF2B5EF4-FFF2-40B4-BE49-F238E27FC236}">
+                <a16:creationId xmlns:a16="http://schemas.microsoft.com/office/drawing/2014/main" id="{7E6C27D8-B223-6D52-0C79-C0BBB6A34179}"/>
+              </a:ext>
+            </a:extLst>
+          </p:cNvPr>
+          <p:cNvPicPr>
+            <a:picLocks noChangeAspect="1"/>
+          </p:cNvPicPr>
+          <p:nvPr/>
+        </p:nvPicPr>
+        <p:blipFill>
+          <a:blip r:embed="rId4">
+            <a:extLst>
+              <a:ext uri="{96DAC541-7B7A-43D3-8B79-37D633B846F1}">
+                <asvg:svgBlip xmlns:asvg="http://schemas.microsoft.com/office/drawing/2016/SVG/main" r:embed="rId5"/>
+              </a:ext>
+            </a:extLst>
+          </a:blip>
+          <a:stretch>
+            <a:fillRect/>
+          </a:stretch>
+        </p:blipFill>
+        <p:spPr>
+          <a:xfrm>
+            <a:off x="10363200" y="4999383"/>
+            <a:ext cx="914400" cy="914400"/>
+          </a:xfrm>
+          <a:prstGeom prst="rect">
+            <a:avLst/>
+          </a:prstGeom>
+        </p:spPr>
+      </p:pic>
+      <p:pic>
+        <p:nvPicPr>
+          <p:cNvPr id="450" name="Graphic 449" descr="Barn with solid fill">
+            <a:extLst>
+              <a:ext uri="{FF2B5EF4-FFF2-40B4-BE49-F238E27FC236}">
+                <a16:creationId xmlns:a16="http://schemas.microsoft.com/office/drawing/2014/main" id="{A153A571-BF10-B92B-5CB5-23F845C77303}"/>
+              </a:ext>
+            </a:extLst>
+          </p:cNvPr>
+          <p:cNvPicPr>
+            <a:picLocks noChangeAspect="1"/>
+          </p:cNvPicPr>
+          <p:nvPr/>
+        </p:nvPicPr>
+        <p:blipFill>
+          <a:blip r:embed="rId6">
+            <a:extLst>
+              <a:ext uri="{96DAC541-7B7A-43D3-8B79-37D633B846F1}">
+                <asvg:svgBlip xmlns:asvg="http://schemas.microsoft.com/office/drawing/2016/SVG/main" r:embed="rId7"/>
+              </a:ext>
+            </a:extLst>
+          </a:blip>
+          <a:stretch>
+            <a:fillRect/>
+          </a:stretch>
+        </p:blipFill>
+        <p:spPr>
+          <a:xfrm>
+            <a:off x="11235484" y="4997703"/>
+            <a:ext cx="914400" cy="914400"/>
+          </a:xfrm>
+          <a:prstGeom prst="rect">
+            <a:avLst/>
+          </a:prstGeom>
+        </p:spPr>
+      </p:pic>
+      <p:sp>
+        <p:nvSpPr>
+          <p:cNvPr id="5" name="TextBox 4">
+            <a:extLst>
+              <a:ext uri="{FF2B5EF4-FFF2-40B4-BE49-F238E27FC236}">
+                <a16:creationId xmlns:a16="http://schemas.microsoft.com/office/drawing/2014/main" id="{CB3B40DA-4DA3-A76C-9C45-453FFB965A6F}"/>
+              </a:ext>
+            </a:extLst>
+          </p:cNvPr>
+          <p:cNvSpPr txBox="1"/>
+          <p:nvPr/>
+        </p:nvSpPr>
+        <p:spPr>
+          <a:xfrm>
+            <a:off x="3044372" y="562472"/>
+            <a:ext cx="6103256" cy="1569660"/>
+          </a:xfrm>
+          <a:prstGeom prst="rect">
+            <a:avLst/>
+          </a:prstGeom>
+          <a:noFill/>
+        </p:spPr>
+        <p:txBody>
+          <a:bodyPr wrap="square">
+            <a:spAutoFit/>
+          </a:bodyPr>
+          <a:lstStyle/>
+          <a:p>
+            <a:pPr algn="ctr"/>
+            <a:r>
+              <a:rPr lang="en-US" sz="9600" b="1" dirty="0"/>
+              <a:t>LIORA</a:t>
+            </a:r>
+          </a:p>
+        </p:txBody>
+      </p:sp>
+      <p:pic>
+        <p:nvPicPr>
+          <p:cNvPr id="8" name="Graphic 7" descr="Convertible with solid fill">
+            <a:extLst>
+              <a:ext uri="{FF2B5EF4-FFF2-40B4-BE49-F238E27FC236}">
+                <a16:creationId xmlns:a16="http://schemas.microsoft.com/office/drawing/2014/main" id="{D1098C18-F5BC-08F2-FAD9-FB6D7DC5BEE2}"/>
+              </a:ext>
+            </a:extLst>
+          </p:cNvPr>
+          <p:cNvPicPr>
+            <a:picLocks noChangeAspect="1"/>
+          </p:cNvPicPr>
+          <p:nvPr/>
+        </p:nvPicPr>
+        <p:blipFill>
+          <a:blip r:embed="rId8">
+            <a:extLst>
+              <a:ext uri="{96DAC541-7B7A-43D3-8B79-37D633B846F1}">
+                <asvg:svgBlip xmlns:asvg="http://schemas.microsoft.com/office/drawing/2016/SVG/main" r:embed="rId9"/>
+              </a:ext>
+            </a:extLst>
+          </a:blip>
+          <a:stretch>
+            <a:fillRect/>
+          </a:stretch>
+        </p:blipFill>
+        <p:spPr>
+          <a:xfrm flipH="1">
+            <a:off x="9436501" y="5184866"/>
+            <a:ext cx="914400" cy="914400"/>
+          </a:xfrm>
+          <a:prstGeom prst="rect">
+            <a:avLst/>
+          </a:prstGeom>
+        </p:spPr>
+      </p:pic>
+    </p:spTree>
+    <p:extLst>
+      <p:ext uri="{BB962C8B-B14F-4D97-AF65-F5344CB8AC3E}">
+        <p14:creationId xmlns:p14="http://schemas.microsoft.com/office/powerpoint/2010/main" val="1283265288"/>
+      </p:ext>
+    </p:extLst>
+  </p:cSld>
+  <p:clrMapOvr>
+    <a:masterClrMapping/>
+  </p:clrMapOvr>
+  <mc:AlternateContent xmlns:mc="http://schemas.openxmlformats.org/markup-compatibility/2006" xmlns:p159="http://schemas.microsoft.com/office/powerpoint/2015/09/main">
+    <mc:Choice Requires="p159">
+      <p:transition xmlns:p14="http://schemas.microsoft.com/office/powerpoint/2010/main" spd="slow" p14:dur="2000">
+        <p159:morph option="byObject"/>
+      </p:transition>
+    </mc:Choice>
+    <mc:Fallback xmlns="">
+      <p:transition spd="slow">
+        <p:fade/>
+      </p:transition>
+    </mc:Fallback>
+  </mc:AlternateContent>
+</p:sld>
+</file>
+
+<file path=ppt/slides/slide20.xml><?xml version="1.0" encoding="utf-8"?>
+<p:sld xmlns:a="http://schemas.openxmlformats.org/drawingml/2006/main" xmlns:r="http://schemas.openxmlformats.org/officeDocument/2006/relationships" xmlns:p="http://schemas.openxmlformats.org/presentationml/2006/main">
+  <p:cSld>
+    <p:spTree>
+      <p:nvGrpSpPr>
+        <p:cNvPr id="1" name="">
+          <a:extLst>
+            <a:ext uri="{FF2B5EF4-FFF2-40B4-BE49-F238E27FC236}">
+              <a16:creationId xmlns:a16="http://schemas.microsoft.com/office/drawing/2014/main" id="{39EE0466-FEC9-08C3-2482-2C3BED88C547}"/>
+            </a:ext>
+          </a:extLst>
+        </p:cNvPr>
+        <p:cNvGrpSpPr/>
+        <p:nvPr/>
+      </p:nvGrpSpPr>
+      <p:grpSpPr>
+        <a:xfrm>
+          <a:off x="0" y="0"/>
+          <a:ext cx="0" cy="0"/>
+          <a:chOff x="0" y="0"/>
+          <a:chExt cx="0" cy="0"/>
+        </a:xfrm>
+      </p:grpSpPr>
+      <p:sp>
+        <p:nvSpPr>
+          <p:cNvPr id="23" name="Rectangle 22">
+            <a:extLst>
+              <a:ext uri="{FF2B5EF4-FFF2-40B4-BE49-F238E27FC236}">
+                <a16:creationId xmlns:a16="http://schemas.microsoft.com/office/drawing/2014/main" id="{136F9B7A-8043-F849-D090-B3C964E00E00}"/>
+              </a:ext>
+            </a:extLst>
+          </p:cNvPr>
+          <p:cNvSpPr>
+            <a:spLocks/>
+          </p:cNvSpPr>
+          <p:nvPr/>
+        </p:nvSpPr>
+        <p:spPr>
+          <a:xfrm>
+            <a:off x="503" y="0"/>
+            <a:ext cx="12192000" cy="6858000"/>
+          </a:xfrm>
+          <a:prstGeom prst="rect">
+            <a:avLst/>
+          </a:prstGeom>
+          <a:gradFill>
+            <a:gsLst>
+              <a:gs pos="0">
+                <a:schemeClr val="accent6">
+                  <a:lumMod val="23000"/>
+                </a:schemeClr>
+              </a:gs>
+              <a:gs pos="100000">
+                <a:schemeClr val="accent6">
+                  <a:lumMod val="26000"/>
+                </a:schemeClr>
+              </a:gs>
+              <a:gs pos="100000">
+                <a:schemeClr val="accent6">
+                  <a:lumMod val="19000"/>
+                </a:schemeClr>
+              </a:gs>
+            </a:gsLst>
+            <a:lin ang="5400000" scaled="0"/>
+          </a:gradFill>
+        </p:spPr>
+        <p:style>
+          <a:lnRef idx="2">
+            <a:schemeClr val="accent1">
+              <a:shade val="15000"/>
+            </a:schemeClr>
+          </a:lnRef>
+          <a:fillRef idx="1">
+            <a:schemeClr val="accent1"/>
+          </a:fillRef>
+          <a:effectRef idx="0">
+            <a:schemeClr val="accent1"/>
+          </a:effectRef>
+          <a:fontRef idx="minor">
+            <a:schemeClr val="lt1"/>
+          </a:fontRef>
+        </p:style>
+        <p:txBody>
+          <a:bodyPr rtlCol="0" anchor="ctr"/>
+          <a:lstStyle/>
+          <a:p>
+            <a:pPr algn="ctr"/>
+            <a:endParaRPr lang="en-US" dirty="0"/>
+          </a:p>
+        </p:txBody>
+      </p:sp>
+      <p:sp>
+        <p:nvSpPr>
+          <p:cNvPr id="6" name="TextBox 5">
+            <a:extLst>
+              <a:ext uri="{FF2B5EF4-FFF2-40B4-BE49-F238E27FC236}">
+                <a16:creationId xmlns:a16="http://schemas.microsoft.com/office/drawing/2014/main" id="{52D17EE3-D689-4E08-4911-59B463AB43F3}"/>
+              </a:ext>
+            </a:extLst>
+          </p:cNvPr>
+          <p:cNvSpPr txBox="1"/>
+          <p:nvPr/>
+        </p:nvSpPr>
+        <p:spPr>
+          <a:xfrm>
+            <a:off x="-332139" y="295065"/>
+            <a:ext cx="3669866" cy="1107996"/>
+          </a:xfrm>
+          <a:prstGeom prst="rect">
+            <a:avLst/>
+          </a:prstGeom>
+          <a:noFill/>
+        </p:spPr>
+        <p:txBody>
+          <a:bodyPr wrap="square">
+            <a:spAutoFit/>
+          </a:bodyPr>
+          <a:lstStyle/>
+          <a:p>
+            <a:pPr algn="ctr"/>
+            <a:r>
+              <a:rPr lang="en-US" sz="6600" b="1" dirty="0">
+                <a:solidFill>
+                  <a:schemeClr val="bg1"/>
+                </a:solidFill>
+              </a:rPr>
+              <a:t>LIORA</a:t>
+            </a:r>
+          </a:p>
+        </p:txBody>
+      </p:sp>
+      <p:sp>
+        <p:nvSpPr>
+          <p:cNvPr id="8" name="TextBox 7">
+            <a:extLst>
+              <a:ext uri="{FF2B5EF4-FFF2-40B4-BE49-F238E27FC236}">
+                <a16:creationId xmlns:a16="http://schemas.microsoft.com/office/drawing/2014/main" id="{ADB74EDC-FF97-597B-589F-AB7696368AA2}"/>
+              </a:ext>
+            </a:extLst>
+          </p:cNvPr>
+          <p:cNvSpPr txBox="1"/>
+          <p:nvPr/>
+        </p:nvSpPr>
+        <p:spPr>
+          <a:xfrm>
+            <a:off x="-166069" y="1163820"/>
+            <a:ext cx="3669865" cy="830997"/>
+          </a:xfrm>
+          <a:prstGeom prst="rect">
+            <a:avLst/>
+          </a:prstGeom>
+          <a:noFill/>
+        </p:spPr>
+        <p:txBody>
+          <a:bodyPr wrap="square">
+            <a:spAutoFit/>
+          </a:bodyPr>
+          <a:lstStyle/>
+          <a:p>
+            <a:pPr algn="ctr"/>
+            <a:r>
+              <a:rPr lang="en-US" sz="2400" b="1" dirty="0">
+                <a:solidFill>
+                  <a:schemeClr val="bg1"/>
+                </a:solidFill>
+              </a:rPr>
+              <a:t>ACTIVITY DIAGRAM </a:t>
+            </a:r>
+          </a:p>
+          <a:p>
+            <a:pPr algn="ctr"/>
+            <a:endParaRPr lang="en-US" sz="2400" b="1" dirty="0">
+              <a:solidFill>
+                <a:schemeClr val="bg1"/>
+              </a:solidFill>
+            </a:endParaRPr>
+          </a:p>
+        </p:txBody>
+      </p:sp>
+      <p:pic>
+        <p:nvPicPr>
+          <p:cNvPr id="2" name="Graphic 1" descr="Store with solid fill">
+            <a:extLst>
+              <a:ext uri="{FF2B5EF4-FFF2-40B4-BE49-F238E27FC236}">
+                <a16:creationId xmlns:a16="http://schemas.microsoft.com/office/drawing/2014/main" id="{403BC787-C854-6761-6FE4-E3F4566202CD}"/>
+              </a:ext>
+            </a:extLst>
+          </p:cNvPr>
+          <p:cNvPicPr>
+            <a:picLocks noChangeAspect="1"/>
+          </p:cNvPicPr>
+          <p:nvPr/>
+        </p:nvPicPr>
+        <p:blipFill>
+          <a:blip r:embed="rId2">
+            <a:extLst>
+              <a:ext uri="{96DAC541-7B7A-43D3-8B79-37D633B846F1}">
+                <asvg:svgBlip xmlns:asvg="http://schemas.microsoft.com/office/drawing/2016/SVG/main" r:embed="rId3"/>
+              </a:ext>
+            </a:extLst>
+          </a:blip>
+          <a:stretch>
+            <a:fillRect/>
+          </a:stretch>
+        </p:blipFill>
+        <p:spPr>
+          <a:xfrm>
+            <a:off x="-61073" y="-1007756"/>
+            <a:ext cx="1242828" cy="1213130"/>
+          </a:xfrm>
+          <a:prstGeom prst="rect">
+            <a:avLst/>
+          </a:prstGeom>
+        </p:spPr>
+      </p:pic>
+      <p:pic>
+        <p:nvPicPr>
+          <p:cNvPr id="3" name="Graphic 2" descr="Convertible with solid fill">
+            <a:extLst>
+              <a:ext uri="{FF2B5EF4-FFF2-40B4-BE49-F238E27FC236}">
+                <a16:creationId xmlns:a16="http://schemas.microsoft.com/office/drawing/2014/main" id="{729542A1-F5DB-333F-3321-E4F639208CC7}"/>
+              </a:ext>
+            </a:extLst>
+          </p:cNvPr>
+          <p:cNvPicPr>
+            <a:picLocks noChangeAspect="1"/>
+          </p:cNvPicPr>
+          <p:nvPr/>
+        </p:nvPicPr>
+        <p:blipFill>
+          <a:blip r:embed="rId4">
+            <a:extLst>
+              <a:ext uri="{96DAC541-7B7A-43D3-8B79-37D633B846F1}">
+                <asvg:svgBlip xmlns:asvg="http://schemas.microsoft.com/office/drawing/2016/SVG/main" r:embed="rId5"/>
+              </a:ext>
+            </a:extLst>
+          </a:blip>
+          <a:stretch>
+            <a:fillRect/>
+          </a:stretch>
+        </p:blipFill>
+        <p:spPr>
+          <a:xfrm>
+            <a:off x="1080459" y="-629514"/>
+            <a:ext cx="914400" cy="914400"/>
+          </a:xfrm>
+          <a:prstGeom prst="rect">
+            <a:avLst/>
+          </a:prstGeom>
+        </p:spPr>
+      </p:pic>
+      <p:pic>
+        <p:nvPicPr>
+          <p:cNvPr id="5" name="Graphic 4" descr="House with solid fill">
+            <a:extLst>
+              <a:ext uri="{FF2B5EF4-FFF2-40B4-BE49-F238E27FC236}">
+                <a16:creationId xmlns:a16="http://schemas.microsoft.com/office/drawing/2014/main" id="{48256BAC-3B62-DAB7-4503-F853246BA561}"/>
+              </a:ext>
+            </a:extLst>
+          </p:cNvPr>
+          <p:cNvPicPr>
+            <a:picLocks noChangeAspect="1"/>
+          </p:cNvPicPr>
+          <p:nvPr/>
+        </p:nvPicPr>
+        <p:blipFill>
+          <a:blip r:embed="rId6">
+            <a:extLst>
+              <a:ext uri="{96DAC541-7B7A-43D3-8B79-37D633B846F1}">
+                <asvg:svgBlip xmlns:asvg="http://schemas.microsoft.com/office/drawing/2016/SVG/main" r:embed="rId7"/>
+              </a:ext>
+            </a:extLst>
+          </a:blip>
+          <a:stretch>
+            <a:fillRect/>
+          </a:stretch>
+        </p:blipFill>
+        <p:spPr>
+          <a:xfrm>
+            <a:off x="10363200" y="-814997"/>
+            <a:ext cx="914400" cy="914400"/>
+          </a:xfrm>
+          <a:prstGeom prst="rect">
+            <a:avLst/>
+          </a:prstGeom>
+        </p:spPr>
+      </p:pic>
+      <p:pic>
+        <p:nvPicPr>
+          <p:cNvPr id="7" name="Graphic 6" descr="Barn with solid fill">
+            <a:extLst>
+              <a:ext uri="{FF2B5EF4-FFF2-40B4-BE49-F238E27FC236}">
+                <a16:creationId xmlns:a16="http://schemas.microsoft.com/office/drawing/2014/main" id="{42A2EF52-415D-A964-1AA1-DC668041155C}"/>
+              </a:ext>
+            </a:extLst>
+          </p:cNvPr>
+          <p:cNvPicPr>
+            <a:picLocks noChangeAspect="1"/>
+          </p:cNvPicPr>
+          <p:nvPr/>
+        </p:nvPicPr>
+        <p:blipFill>
+          <a:blip r:embed="rId8">
+            <a:extLst>
+              <a:ext uri="{96DAC541-7B7A-43D3-8B79-37D633B846F1}">
+                <asvg:svgBlip xmlns:asvg="http://schemas.microsoft.com/office/drawing/2016/SVG/main" r:embed="rId9"/>
+              </a:ext>
+            </a:extLst>
+          </a:blip>
+          <a:stretch>
+            <a:fillRect/>
+          </a:stretch>
+        </p:blipFill>
+        <p:spPr>
+          <a:xfrm>
+            <a:off x="11235484" y="-816677"/>
+            <a:ext cx="914400" cy="914400"/>
+          </a:xfrm>
+          <a:prstGeom prst="rect">
+            <a:avLst/>
+          </a:prstGeom>
+        </p:spPr>
+      </p:pic>
+      <p:pic>
+        <p:nvPicPr>
+          <p:cNvPr id="9" name="Picture 8">
+            <a:extLst>
+              <a:ext uri="{FF2B5EF4-FFF2-40B4-BE49-F238E27FC236}">
+                <a16:creationId xmlns:a16="http://schemas.microsoft.com/office/drawing/2014/main" id="{FF473302-B5E6-C42F-F2D8-5D53A816B61B}"/>
+              </a:ext>
+            </a:extLst>
+          </p:cNvPr>
+          <p:cNvPicPr>
+            <a:picLocks noChangeAspect="1"/>
+          </p:cNvPicPr>
+          <p:nvPr/>
+        </p:nvPicPr>
+        <p:blipFill>
+          <a:blip r:embed="rId10"/>
+          <a:stretch>
+            <a:fillRect/>
+          </a:stretch>
+        </p:blipFill>
+        <p:spPr>
+          <a:xfrm>
+            <a:off x="3669866" y="-7188475"/>
+            <a:ext cx="8190497" cy="13532125"/>
+          </a:xfrm>
+          <a:prstGeom prst="rect">
+            <a:avLst/>
+          </a:prstGeom>
+        </p:spPr>
+      </p:pic>
+      <p:pic>
+        <p:nvPicPr>
+          <p:cNvPr id="10" name="Picture 9">
+            <a:extLst>
+              <a:ext uri="{FF2B5EF4-FFF2-40B4-BE49-F238E27FC236}">
+                <a16:creationId xmlns:a16="http://schemas.microsoft.com/office/drawing/2014/main" id="{AE451A03-C264-006B-302A-0DE6A19D98FB}"/>
+              </a:ext>
+            </a:extLst>
+          </p:cNvPr>
+          <p:cNvPicPr>
+            <a:picLocks noChangeAspect="1"/>
+          </p:cNvPicPr>
+          <p:nvPr/>
+        </p:nvPicPr>
+        <p:blipFill>
+          <a:blip r:embed="rId11"/>
+          <a:srcRect t="5675"/>
+          <a:stretch/>
+        </p:blipFill>
+        <p:spPr>
+          <a:xfrm rot="5400000">
+            <a:off x="-8248444" y="-1678861"/>
+            <a:ext cx="4854290" cy="10982325"/>
+          </a:xfrm>
+          <a:prstGeom prst="rect">
+            <a:avLst/>
+          </a:prstGeom>
+        </p:spPr>
+      </p:pic>
+      <p:sp>
+        <p:nvSpPr>
+          <p:cNvPr id="18" name="TextBox 17">
+            <a:extLst>
+              <a:ext uri="{FF2B5EF4-FFF2-40B4-BE49-F238E27FC236}">
+                <a16:creationId xmlns:a16="http://schemas.microsoft.com/office/drawing/2014/main" id="{5C7102B1-3A64-6AB7-EED8-A7DB86C97EB6}"/>
+              </a:ext>
+            </a:extLst>
+          </p:cNvPr>
+          <p:cNvSpPr txBox="1"/>
+          <p:nvPr/>
+        </p:nvSpPr>
+        <p:spPr>
+          <a:xfrm>
+            <a:off x="216694" y="1779526"/>
+            <a:ext cx="3121032" cy="4801314"/>
+          </a:xfrm>
+          <a:prstGeom prst="rect">
+            <a:avLst/>
+          </a:prstGeom>
+          <a:noFill/>
+        </p:spPr>
+        <p:txBody>
+          <a:bodyPr wrap="square">
+            <a:spAutoFit/>
+          </a:bodyPr>
+          <a:lstStyle/>
+          <a:p>
+            <a:pPr marL="0" marR="0" lvl="0" indent="0" algn="l" defTabSz="914400" rtl="0" eaLnBrk="0" fontAlgn="base" latinLnBrk="0" hangingPunct="0">
+              <a:lnSpc>
+                <a:spcPct val="100000"/>
+              </a:lnSpc>
+              <a:spcBef>
+                <a:spcPct val="0"/>
+              </a:spcBef>
+              <a:spcAft>
+                <a:spcPct val="0"/>
+              </a:spcAft>
+              <a:buClrTx/>
+              <a:buSzTx/>
+              <a:buFontTx/>
+              <a:buChar char="•"/>
+              <a:tabLst/>
+            </a:pPr>
+            <a:r>
+              <a:rPr kumimoji="0" lang="en-US" altLang="en-US" sz="1800" b="1" i="0" u="none" strike="noStrike" cap="none" normalizeH="0" baseline="0" dirty="0">
+                <a:ln>
+                  <a:noFill/>
+                </a:ln>
+                <a:solidFill>
+                  <a:schemeClr val="bg1"/>
+                </a:solidFill>
+                <a:effectLst/>
+                <a:latin typeface="Arial" panose="020B0604020202020204" pitchFamily="34" charset="0"/>
+              </a:rPr>
+              <a:t>Entry</a:t>
+            </a:r>
+            <a:r>
+              <a:rPr kumimoji="0" lang="en-US" altLang="en-US" sz="1800" b="0" i="0" u="none" strike="noStrike" cap="none" normalizeH="0" baseline="0" dirty="0">
+                <a:ln>
+                  <a:noFill/>
+                </a:ln>
+                <a:solidFill>
+                  <a:schemeClr val="bg1"/>
+                </a:solidFill>
+                <a:effectLst/>
+                <a:latin typeface="Arial" panose="020B0604020202020204" pitchFamily="34" charset="0"/>
+              </a:rPr>
+              <a:t>: Customer enters, and the system starts monitoring.</a:t>
+            </a:r>
+          </a:p>
+          <a:p>
+            <a:pPr marL="0" marR="0" lvl="0" indent="0" algn="l" defTabSz="914400" rtl="0" eaLnBrk="0" fontAlgn="base" latinLnBrk="0" hangingPunct="0">
+              <a:lnSpc>
+                <a:spcPct val="100000"/>
+              </a:lnSpc>
+              <a:spcBef>
+                <a:spcPct val="0"/>
+              </a:spcBef>
+              <a:spcAft>
+                <a:spcPct val="0"/>
+              </a:spcAft>
+              <a:buClrTx/>
+              <a:buSzTx/>
+              <a:buFontTx/>
+              <a:buChar char="•"/>
+              <a:tabLst/>
+            </a:pPr>
+            <a:endParaRPr kumimoji="0" lang="en-US" altLang="en-US" sz="1800" b="0" i="0" u="none" strike="noStrike" cap="none" normalizeH="0" baseline="0" dirty="0">
+              <a:ln>
+                <a:noFill/>
+              </a:ln>
+              <a:solidFill>
+                <a:schemeClr val="bg1"/>
+              </a:solidFill>
+              <a:effectLst/>
+              <a:latin typeface="Arial" panose="020B0604020202020204" pitchFamily="34" charset="0"/>
+            </a:endParaRPr>
+          </a:p>
+          <a:p>
+            <a:pPr marL="0" marR="0" lvl="0" indent="0" algn="l" defTabSz="914400" rtl="0" eaLnBrk="0" fontAlgn="base" latinLnBrk="0" hangingPunct="0">
+              <a:lnSpc>
+                <a:spcPct val="100000"/>
+              </a:lnSpc>
+              <a:spcBef>
+                <a:spcPct val="0"/>
+              </a:spcBef>
+              <a:spcAft>
+                <a:spcPct val="0"/>
+              </a:spcAft>
+              <a:buClrTx/>
+              <a:buSzTx/>
+              <a:buFontTx/>
+              <a:buChar char="•"/>
+              <a:tabLst/>
+            </a:pPr>
+            <a:r>
+              <a:rPr kumimoji="0" lang="en-US" altLang="en-US" sz="1800" b="1" i="0" u="none" strike="noStrike" cap="none" normalizeH="0" baseline="0" dirty="0">
+                <a:ln>
+                  <a:noFill/>
+                </a:ln>
+                <a:solidFill>
+                  <a:schemeClr val="bg1"/>
+                </a:solidFill>
+                <a:effectLst/>
+                <a:latin typeface="Arial" panose="020B0604020202020204" pitchFamily="34" charset="0"/>
+              </a:rPr>
+              <a:t>Shopping</a:t>
+            </a:r>
+            <a:r>
+              <a:rPr kumimoji="0" lang="en-US" altLang="en-US" sz="1800" b="0" i="0" u="none" strike="noStrike" cap="none" normalizeH="0" baseline="0" dirty="0">
+                <a:ln>
+                  <a:noFill/>
+                </a:ln>
+                <a:solidFill>
+                  <a:schemeClr val="bg1"/>
+                </a:solidFill>
+                <a:effectLst/>
+                <a:latin typeface="Arial" panose="020B0604020202020204" pitchFamily="34" charset="0"/>
+              </a:rPr>
+              <a:t>: Customers browse, get recommendations, and add items to the cart.</a:t>
+            </a:r>
+          </a:p>
+          <a:p>
+            <a:pPr marL="0" marR="0" lvl="0" indent="0" algn="l" defTabSz="914400" rtl="0" eaLnBrk="0" fontAlgn="base" latinLnBrk="0" hangingPunct="0">
+              <a:lnSpc>
+                <a:spcPct val="100000"/>
+              </a:lnSpc>
+              <a:spcBef>
+                <a:spcPct val="0"/>
+              </a:spcBef>
+              <a:spcAft>
+                <a:spcPct val="0"/>
+              </a:spcAft>
+              <a:buClrTx/>
+              <a:buSzTx/>
+              <a:buFontTx/>
+              <a:buChar char="•"/>
+              <a:tabLst/>
+            </a:pPr>
+            <a:endParaRPr kumimoji="0" lang="en-US" altLang="en-US" sz="1800" b="0" i="0" u="none" strike="noStrike" cap="none" normalizeH="0" baseline="0" dirty="0">
+              <a:ln>
+                <a:noFill/>
+              </a:ln>
+              <a:solidFill>
+                <a:schemeClr val="bg1"/>
+              </a:solidFill>
+              <a:effectLst/>
+              <a:latin typeface="Arial" panose="020B0604020202020204" pitchFamily="34" charset="0"/>
+            </a:endParaRPr>
+          </a:p>
+          <a:p>
+            <a:pPr marL="0" marR="0" lvl="0" indent="0" algn="l" defTabSz="914400" rtl="0" eaLnBrk="0" fontAlgn="base" latinLnBrk="0" hangingPunct="0">
+              <a:lnSpc>
+                <a:spcPct val="100000"/>
+              </a:lnSpc>
+              <a:spcBef>
+                <a:spcPct val="0"/>
+              </a:spcBef>
+              <a:spcAft>
+                <a:spcPct val="0"/>
+              </a:spcAft>
+              <a:buClrTx/>
+              <a:buSzTx/>
+              <a:buFontTx/>
+              <a:buChar char="•"/>
+              <a:tabLst/>
+            </a:pPr>
+            <a:r>
+              <a:rPr kumimoji="0" lang="en-US" altLang="en-US" sz="1800" b="1" i="0" u="none" strike="noStrike" cap="none" normalizeH="0" baseline="0" dirty="0">
+                <a:ln>
+                  <a:noFill/>
+                </a:ln>
+                <a:solidFill>
+                  <a:schemeClr val="bg1"/>
+                </a:solidFill>
+                <a:effectLst/>
+                <a:latin typeface="Arial" panose="020B0604020202020204" pitchFamily="34" charset="0"/>
+              </a:rPr>
+              <a:t>Checkout</a:t>
+            </a:r>
+            <a:r>
+              <a:rPr kumimoji="0" lang="en-US" altLang="en-US" sz="1800" b="0" i="0" u="none" strike="noStrike" cap="none" normalizeH="0" baseline="0" dirty="0">
+                <a:ln>
+                  <a:noFill/>
+                </a:ln>
+                <a:solidFill>
+                  <a:schemeClr val="bg1"/>
+                </a:solidFill>
+                <a:effectLst/>
+                <a:latin typeface="Arial" panose="020B0604020202020204" pitchFamily="34" charset="0"/>
+              </a:rPr>
+              <a:t>: If ready, automated checkout begins with scanning, payment, and receipt generation.</a:t>
+            </a:r>
+          </a:p>
+          <a:p>
+            <a:pPr marL="0" marR="0" lvl="0" indent="0" algn="l" defTabSz="914400" rtl="0" eaLnBrk="0" fontAlgn="base" latinLnBrk="0" hangingPunct="0">
+              <a:lnSpc>
+                <a:spcPct val="100000"/>
+              </a:lnSpc>
+              <a:spcBef>
+                <a:spcPct val="0"/>
+              </a:spcBef>
+              <a:spcAft>
+                <a:spcPct val="0"/>
+              </a:spcAft>
+              <a:buClrTx/>
+              <a:buSzTx/>
+              <a:buFontTx/>
+              <a:buChar char="•"/>
+              <a:tabLst/>
+            </a:pPr>
+            <a:endParaRPr kumimoji="0" lang="en-US" altLang="en-US" sz="1800" b="0" i="0" u="none" strike="noStrike" cap="none" normalizeH="0" baseline="0" dirty="0">
+              <a:ln>
+                <a:noFill/>
+              </a:ln>
+              <a:solidFill>
+                <a:schemeClr val="bg1"/>
+              </a:solidFill>
+              <a:effectLst/>
+              <a:latin typeface="Arial" panose="020B0604020202020204" pitchFamily="34" charset="0"/>
+            </a:endParaRPr>
+          </a:p>
+          <a:p>
+            <a:pPr marL="0" marR="0" lvl="0" indent="0" algn="l" defTabSz="914400" rtl="0" eaLnBrk="0" fontAlgn="base" latinLnBrk="0" hangingPunct="0">
+              <a:lnSpc>
+                <a:spcPct val="100000"/>
+              </a:lnSpc>
+              <a:spcBef>
+                <a:spcPct val="0"/>
+              </a:spcBef>
+              <a:spcAft>
+                <a:spcPct val="0"/>
+              </a:spcAft>
+              <a:buClrTx/>
+              <a:buSzTx/>
+              <a:buFontTx/>
+              <a:buChar char="•"/>
+              <a:tabLst/>
+            </a:pPr>
+            <a:r>
+              <a:rPr kumimoji="0" lang="en-US" altLang="en-US" sz="1800" b="1" i="0" u="none" strike="noStrike" cap="none" normalizeH="0" baseline="0" dirty="0">
+                <a:ln>
+                  <a:noFill/>
+                </a:ln>
+                <a:solidFill>
+                  <a:schemeClr val="bg1"/>
+                </a:solidFill>
+                <a:effectLst/>
+                <a:latin typeface="Arial" panose="020B0604020202020204" pitchFamily="34" charset="0"/>
+              </a:rPr>
+              <a:t>Exit</a:t>
+            </a:r>
+            <a:r>
+              <a:rPr kumimoji="0" lang="en-US" altLang="en-US" sz="1800" b="0" i="0" u="none" strike="noStrike" cap="none" normalizeH="0" baseline="0" dirty="0">
+                <a:ln>
+                  <a:noFill/>
+                </a:ln>
+                <a:solidFill>
+                  <a:schemeClr val="bg1"/>
+                </a:solidFill>
+                <a:effectLst/>
+                <a:latin typeface="Arial" panose="020B0604020202020204" pitchFamily="34" charset="0"/>
+              </a:rPr>
+              <a:t>: Inventory and customer data are updated, and monitoring ends </a:t>
+            </a:r>
+          </a:p>
+        </p:txBody>
+      </p:sp>
+      <p:pic>
+        <p:nvPicPr>
+          <p:cNvPr id="4" name="Picture 3">
+            <a:extLst>
+              <a:ext uri="{FF2B5EF4-FFF2-40B4-BE49-F238E27FC236}">
+                <a16:creationId xmlns:a16="http://schemas.microsoft.com/office/drawing/2014/main" id="{D4448DCE-058D-87E8-7565-87848A0B23ED}"/>
+              </a:ext>
+            </a:extLst>
+          </p:cNvPr>
+          <p:cNvPicPr>
+            <a:picLocks noChangeAspect="1"/>
+          </p:cNvPicPr>
+          <p:nvPr/>
+        </p:nvPicPr>
+        <p:blipFill>
+          <a:blip r:embed="rId12"/>
+          <a:srcRect t="862" b="1868"/>
+          <a:stretch/>
+        </p:blipFill>
+        <p:spPr>
+          <a:xfrm rot="5400000">
+            <a:off x="2794675" y="4631897"/>
+            <a:ext cx="6299345" cy="10582274"/>
+          </a:xfrm>
+          <a:prstGeom prst="rect">
+            <a:avLst/>
+          </a:prstGeom>
+        </p:spPr>
+      </p:pic>
+    </p:spTree>
+    <p:extLst>
+      <p:ext uri="{BB962C8B-B14F-4D97-AF65-F5344CB8AC3E}">
+        <p14:creationId xmlns:p14="http://schemas.microsoft.com/office/powerpoint/2010/main" val="3905413367"/>
+      </p:ext>
+    </p:extLst>
+  </p:cSld>
+  <p:clrMapOvr>
+    <a:masterClrMapping/>
+  </p:clrMapOvr>
+  <mc:AlternateContent xmlns:mc="http://schemas.openxmlformats.org/markup-compatibility/2006">
+    <mc:Choice xmlns:p159="http://schemas.microsoft.com/office/powerpoint/2015/09/main" Requires="p159">
+      <p:transition xmlns:p14="http://schemas.microsoft.com/office/powerpoint/2010/main" spd="slow" p14:dur="2000">
+        <p159:morph option="byObject"/>
+      </p:transition>
+    </mc:Choice>
+    <mc:Fallback>
+      <p:transition spd="slow">
+        <p:fade/>
+      </p:transition>
+    </mc:Fallback>
+  </mc:AlternateContent>
+</p:sld>
+</file>
+
+<file path=ppt/slides/slide21.xml><?xml version="1.0" encoding="utf-8"?>
+<p:sld xmlns:a="http://schemas.openxmlformats.org/drawingml/2006/main" xmlns:r="http://schemas.openxmlformats.org/officeDocument/2006/relationships" xmlns:p="http://schemas.openxmlformats.org/presentationml/2006/main">
+  <p:cSld>
+    <p:spTree>
+      <p:nvGrpSpPr>
+        <p:cNvPr id="1" name="">
+          <a:extLst>
+            <a:ext uri="{FF2B5EF4-FFF2-40B4-BE49-F238E27FC236}">
+              <a16:creationId xmlns:a16="http://schemas.microsoft.com/office/drawing/2014/main" id="{5FB8F838-902B-301E-EB14-DF29D4ADACD4}"/>
+            </a:ext>
+          </a:extLst>
+        </p:cNvPr>
+        <p:cNvGrpSpPr/>
+        <p:nvPr/>
+      </p:nvGrpSpPr>
+      <p:grpSpPr>
+        <a:xfrm>
+          <a:off x="0" y="0"/>
+          <a:ext cx="0" cy="0"/>
+          <a:chOff x="0" y="0"/>
+          <a:chExt cx="0" cy="0"/>
+        </a:xfrm>
+      </p:grpSpPr>
+      <p:sp>
+        <p:nvSpPr>
+          <p:cNvPr id="23" name="Rectangle 22">
+            <a:extLst>
+              <a:ext uri="{FF2B5EF4-FFF2-40B4-BE49-F238E27FC236}">
+                <a16:creationId xmlns:a16="http://schemas.microsoft.com/office/drawing/2014/main" id="{3B10BE13-8CE9-4FF9-084A-1DFE50928706}"/>
+              </a:ext>
+            </a:extLst>
+          </p:cNvPr>
+          <p:cNvSpPr>
+            <a:spLocks/>
+          </p:cNvSpPr>
+          <p:nvPr/>
+        </p:nvSpPr>
+        <p:spPr>
+          <a:xfrm>
+            <a:off x="503" y="0"/>
+            <a:ext cx="12192000" cy="6858000"/>
+          </a:xfrm>
+          <a:prstGeom prst="rect">
+            <a:avLst/>
+          </a:prstGeom>
+          <a:gradFill>
+            <a:gsLst>
+              <a:gs pos="0">
+                <a:schemeClr val="accent6">
+                  <a:lumMod val="23000"/>
+                </a:schemeClr>
+              </a:gs>
+              <a:gs pos="100000">
+                <a:schemeClr val="accent6">
+                  <a:lumMod val="26000"/>
+                </a:schemeClr>
+              </a:gs>
+              <a:gs pos="100000">
+                <a:schemeClr val="accent6">
+                  <a:lumMod val="19000"/>
+                </a:schemeClr>
+              </a:gs>
+            </a:gsLst>
+            <a:lin ang="5400000" scaled="0"/>
+          </a:gradFill>
+        </p:spPr>
+        <p:style>
+          <a:lnRef idx="2">
+            <a:schemeClr val="accent1">
+              <a:shade val="15000"/>
+            </a:schemeClr>
+          </a:lnRef>
+          <a:fillRef idx="1">
+            <a:schemeClr val="accent1"/>
+          </a:fillRef>
+          <a:effectRef idx="0">
+            <a:schemeClr val="accent1"/>
+          </a:effectRef>
+          <a:fontRef idx="minor">
+            <a:schemeClr val="lt1"/>
+          </a:fontRef>
+        </p:style>
+        <p:txBody>
+          <a:bodyPr rtlCol="0" anchor="ctr"/>
+          <a:lstStyle/>
+          <a:p>
+            <a:pPr algn="ctr"/>
+            <a:endParaRPr lang="en-US" dirty="0"/>
+          </a:p>
+        </p:txBody>
+      </p:sp>
+      <p:sp>
+        <p:nvSpPr>
+          <p:cNvPr id="6" name="TextBox 5">
+            <a:extLst>
+              <a:ext uri="{FF2B5EF4-FFF2-40B4-BE49-F238E27FC236}">
+                <a16:creationId xmlns:a16="http://schemas.microsoft.com/office/drawing/2014/main" id="{1BF45D85-20F0-826E-C8BC-BB988E954A0D}"/>
+              </a:ext>
+            </a:extLst>
+          </p:cNvPr>
+          <p:cNvSpPr txBox="1"/>
+          <p:nvPr/>
+        </p:nvSpPr>
+        <p:spPr>
+          <a:xfrm>
+            <a:off x="-332139" y="295065"/>
+            <a:ext cx="3669866" cy="1107996"/>
+          </a:xfrm>
+          <a:prstGeom prst="rect">
+            <a:avLst/>
+          </a:prstGeom>
+          <a:noFill/>
+        </p:spPr>
+        <p:txBody>
+          <a:bodyPr wrap="square">
+            <a:spAutoFit/>
+          </a:bodyPr>
+          <a:lstStyle/>
+          <a:p>
+            <a:pPr algn="ctr"/>
+            <a:r>
+              <a:rPr lang="en-US" sz="6600" b="1" dirty="0">
+                <a:solidFill>
+                  <a:schemeClr val="bg1"/>
+                </a:solidFill>
+              </a:rPr>
+              <a:t>LIORA</a:t>
+            </a:r>
+          </a:p>
+        </p:txBody>
+      </p:sp>
+      <p:sp>
+        <p:nvSpPr>
+          <p:cNvPr id="8" name="TextBox 7">
+            <a:extLst>
+              <a:ext uri="{FF2B5EF4-FFF2-40B4-BE49-F238E27FC236}">
+                <a16:creationId xmlns:a16="http://schemas.microsoft.com/office/drawing/2014/main" id="{CE1CFF70-C247-AB09-9C56-2C2ADB41E1EA}"/>
+              </a:ext>
+            </a:extLst>
+          </p:cNvPr>
+          <p:cNvSpPr txBox="1"/>
+          <p:nvPr/>
+        </p:nvSpPr>
+        <p:spPr>
+          <a:xfrm>
+            <a:off x="1483161" y="441110"/>
+            <a:ext cx="7371114" cy="769441"/>
+          </a:xfrm>
+          <a:prstGeom prst="rect">
+            <a:avLst/>
+          </a:prstGeom>
+          <a:noFill/>
+        </p:spPr>
+        <p:txBody>
+          <a:bodyPr wrap="square">
+            <a:spAutoFit/>
+          </a:bodyPr>
+          <a:lstStyle/>
+          <a:p>
+            <a:pPr algn="ctr"/>
+            <a:r>
+              <a:rPr lang="en-US" sz="4400" b="1" dirty="0">
+                <a:solidFill>
+                  <a:schemeClr val="bg1"/>
+                </a:solidFill>
+              </a:rPr>
+              <a:t>- CLASS DIAGRAM </a:t>
+            </a:r>
+          </a:p>
+        </p:txBody>
+      </p:sp>
+      <p:pic>
+        <p:nvPicPr>
+          <p:cNvPr id="2" name="Graphic 1" descr="Store with solid fill">
+            <a:extLst>
+              <a:ext uri="{FF2B5EF4-FFF2-40B4-BE49-F238E27FC236}">
+                <a16:creationId xmlns:a16="http://schemas.microsoft.com/office/drawing/2014/main" id="{D268A9D3-1C91-EF70-1436-E75532C6B772}"/>
+              </a:ext>
+            </a:extLst>
+          </p:cNvPr>
+          <p:cNvPicPr>
+            <a:picLocks noChangeAspect="1"/>
+          </p:cNvPicPr>
+          <p:nvPr/>
+        </p:nvPicPr>
+        <p:blipFill>
+          <a:blip r:embed="rId2">
+            <a:extLst>
+              <a:ext uri="{96DAC541-7B7A-43D3-8B79-37D633B846F1}">
+                <asvg:svgBlip xmlns:asvg="http://schemas.microsoft.com/office/drawing/2016/SVG/main" r:embed="rId3"/>
+              </a:ext>
+            </a:extLst>
+          </a:blip>
+          <a:stretch>
+            <a:fillRect/>
+          </a:stretch>
+        </p:blipFill>
+        <p:spPr>
+          <a:xfrm>
+            <a:off x="-61073" y="-1007756"/>
+            <a:ext cx="1242828" cy="1213130"/>
+          </a:xfrm>
+          <a:prstGeom prst="rect">
+            <a:avLst/>
+          </a:prstGeom>
+        </p:spPr>
+      </p:pic>
+      <p:pic>
+        <p:nvPicPr>
+          <p:cNvPr id="3" name="Graphic 2" descr="Convertible with solid fill">
+            <a:extLst>
+              <a:ext uri="{FF2B5EF4-FFF2-40B4-BE49-F238E27FC236}">
+                <a16:creationId xmlns:a16="http://schemas.microsoft.com/office/drawing/2014/main" id="{6C7C54A5-A75F-E405-FB79-6412043030F8}"/>
+              </a:ext>
+            </a:extLst>
+          </p:cNvPr>
+          <p:cNvPicPr>
+            <a:picLocks noChangeAspect="1"/>
+          </p:cNvPicPr>
+          <p:nvPr/>
+        </p:nvPicPr>
+        <p:blipFill>
+          <a:blip r:embed="rId4">
+            <a:extLst>
+              <a:ext uri="{96DAC541-7B7A-43D3-8B79-37D633B846F1}">
+                <asvg:svgBlip xmlns:asvg="http://schemas.microsoft.com/office/drawing/2016/SVG/main" r:embed="rId5"/>
+              </a:ext>
+            </a:extLst>
+          </a:blip>
+          <a:stretch>
+            <a:fillRect/>
+          </a:stretch>
+        </p:blipFill>
+        <p:spPr>
+          <a:xfrm>
+            <a:off x="1080459" y="-629514"/>
+            <a:ext cx="914400" cy="914400"/>
+          </a:xfrm>
+          <a:prstGeom prst="rect">
+            <a:avLst/>
+          </a:prstGeom>
+        </p:spPr>
+      </p:pic>
+      <p:pic>
+        <p:nvPicPr>
+          <p:cNvPr id="5" name="Graphic 4" descr="House with solid fill">
+            <a:extLst>
+              <a:ext uri="{FF2B5EF4-FFF2-40B4-BE49-F238E27FC236}">
+                <a16:creationId xmlns:a16="http://schemas.microsoft.com/office/drawing/2014/main" id="{7DE36C2D-FC68-FEEB-4878-4FB3D53831E0}"/>
+              </a:ext>
+            </a:extLst>
+          </p:cNvPr>
+          <p:cNvPicPr>
+            <a:picLocks noChangeAspect="1"/>
+          </p:cNvPicPr>
+          <p:nvPr/>
+        </p:nvPicPr>
+        <p:blipFill>
+          <a:blip r:embed="rId6">
+            <a:extLst>
+              <a:ext uri="{96DAC541-7B7A-43D3-8B79-37D633B846F1}">
+                <asvg:svgBlip xmlns:asvg="http://schemas.microsoft.com/office/drawing/2016/SVG/main" r:embed="rId7"/>
+              </a:ext>
+            </a:extLst>
+          </a:blip>
+          <a:stretch>
+            <a:fillRect/>
+          </a:stretch>
+        </p:blipFill>
+        <p:spPr>
+          <a:xfrm>
+            <a:off x="10363200" y="-814997"/>
+            <a:ext cx="914400" cy="914400"/>
+          </a:xfrm>
+          <a:prstGeom prst="rect">
+            <a:avLst/>
+          </a:prstGeom>
+        </p:spPr>
+      </p:pic>
+      <p:pic>
+        <p:nvPicPr>
+          <p:cNvPr id="7" name="Graphic 6" descr="Barn with solid fill">
+            <a:extLst>
+              <a:ext uri="{FF2B5EF4-FFF2-40B4-BE49-F238E27FC236}">
+                <a16:creationId xmlns:a16="http://schemas.microsoft.com/office/drawing/2014/main" id="{9C1EAD94-DC31-9AEF-A7B1-22997194F50B}"/>
+              </a:ext>
+            </a:extLst>
+          </p:cNvPr>
+          <p:cNvPicPr>
+            <a:picLocks noChangeAspect="1"/>
+          </p:cNvPicPr>
+          <p:nvPr/>
+        </p:nvPicPr>
+        <p:blipFill>
+          <a:blip r:embed="rId8">
+            <a:extLst>
+              <a:ext uri="{96DAC541-7B7A-43D3-8B79-37D633B846F1}">
+                <asvg:svgBlip xmlns:asvg="http://schemas.microsoft.com/office/drawing/2016/SVG/main" r:embed="rId9"/>
+              </a:ext>
+            </a:extLst>
+          </a:blip>
+          <a:stretch>
+            <a:fillRect/>
+          </a:stretch>
+        </p:blipFill>
+        <p:spPr>
+          <a:xfrm>
+            <a:off x="11235484" y="-816677"/>
+            <a:ext cx="914400" cy="914400"/>
+          </a:xfrm>
+          <a:prstGeom prst="rect">
+            <a:avLst/>
+          </a:prstGeom>
+        </p:spPr>
+      </p:pic>
+      <p:pic>
+        <p:nvPicPr>
+          <p:cNvPr id="9" name="Picture 8">
+            <a:extLst>
+              <a:ext uri="{FF2B5EF4-FFF2-40B4-BE49-F238E27FC236}">
+                <a16:creationId xmlns:a16="http://schemas.microsoft.com/office/drawing/2014/main" id="{6C1A11AA-2011-3E1F-8FC9-4F9AE983ADC8}"/>
+              </a:ext>
+            </a:extLst>
+          </p:cNvPr>
+          <p:cNvPicPr>
+            <a:picLocks noChangeAspect="1"/>
+          </p:cNvPicPr>
+          <p:nvPr/>
+        </p:nvPicPr>
+        <p:blipFill>
+          <a:blip r:embed="rId10"/>
+          <a:stretch>
+            <a:fillRect/>
+          </a:stretch>
+        </p:blipFill>
+        <p:spPr>
+          <a:xfrm>
+            <a:off x="3669866" y="-14008375"/>
+            <a:ext cx="8190497" cy="13532125"/>
+          </a:xfrm>
+          <a:prstGeom prst="rect">
+            <a:avLst/>
+          </a:prstGeom>
+        </p:spPr>
+      </p:pic>
+      <p:pic>
+        <p:nvPicPr>
+          <p:cNvPr id="11" name="Picture 10">
+            <a:extLst>
+              <a:ext uri="{FF2B5EF4-FFF2-40B4-BE49-F238E27FC236}">
+                <a16:creationId xmlns:a16="http://schemas.microsoft.com/office/drawing/2014/main" id="{7AEB94B7-3F3C-4997-BB30-416ADEDFDBAF}"/>
+              </a:ext>
+            </a:extLst>
+          </p:cNvPr>
+          <p:cNvPicPr>
+            <a:picLocks noChangeAspect="1"/>
+          </p:cNvPicPr>
+          <p:nvPr/>
+        </p:nvPicPr>
+        <p:blipFill>
+          <a:blip r:embed="rId11"/>
+          <a:srcRect t="862" b="1868"/>
+          <a:stretch/>
+        </p:blipFill>
+        <p:spPr>
+          <a:xfrm rot="5400000">
+            <a:off x="2794675" y="-768778"/>
+            <a:ext cx="6299345" cy="10582274"/>
+          </a:xfrm>
+          <a:prstGeom prst="rect">
+            <a:avLst/>
+          </a:prstGeom>
+        </p:spPr>
+      </p:pic>
+    </p:spTree>
+    <p:extLst>
+      <p:ext uri="{BB962C8B-B14F-4D97-AF65-F5344CB8AC3E}">
+        <p14:creationId xmlns:p14="http://schemas.microsoft.com/office/powerpoint/2010/main" val="4187722116"/>
+      </p:ext>
+    </p:extLst>
+  </p:cSld>
+  <p:clrMapOvr>
+    <a:masterClrMapping/>
+  </p:clrMapOvr>
+  <mc:AlternateContent xmlns:mc="http://schemas.openxmlformats.org/markup-compatibility/2006">
+    <mc:Choice xmlns:p159="http://schemas.microsoft.com/office/powerpoint/2015/09/main" Requires="p159">
+      <p:transition xmlns:p14="http://schemas.microsoft.com/office/powerpoint/2010/main" spd="slow" p14:dur="2000">
+        <p159:morph option="byObject"/>
+      </p:transition>
+    </mc:Choice>
+    <mc:Fallback>
+      <p:transition spd="slow">
+        <p:fade/>
+      </p:transition>
+    </mc:Fallback>
+  </mc:AlternateContent>
+</p:sld>
+</file>
+
+<file path=ppt/slides/slide22.xml><?xml version="1.0" encoding="utf-8"?>
 <p:sld xmlns:a="http://schemas.openxmlformats.org/drawingml/2006/main" xmlns:r="http://schemas.openxmlformats.org/officeDocument/2006/relationships" xmlns:p="http://schemas.openxmlformats.org/presentationml/2006/main">
   <p:cSld>
     <p:spTree>
@@ -23385,6 +26309,35 @@
           </a:p>
         </p:txBody>
       </p:sp>
+      <p:pic>
+        <p:nvPicPr>
+          <p:cNvPr id="6" name="Picture 5">
+            <a:extLst>
+              <a:ext uri="{FF2B5EF4-FFF2-40B4-BE49-F238E27FC236}">
+                <a16:creationId xmlns:a16="http://schemas.microsoft.com/office/drawing/2014/main" id="{9F982484-4BB3-7C74-CF3E-5680761B8ED9}"/>
+              </a:ext>
+            </a:extLst>
+          </p:cNvPr>
+          <p:cNvPicPr>
+            <a:picLocks noChangeAspect="1"/>
+          </p:cNvPicPr>
+          <p:nvPr/>
+        </p:nvPicPr>
+        <p:blipFill>
+          <a:blip r:embed="rId10"/>
+          <a:srcRect t="862" b="1868"/>
+          <a:stretch/>
+        </p:blipFill>
+        <p:spPr>
+          <a:xfrm rot="5400000">
+            <a:off x="2794675" y="5136722"/>
+            <a:ext cx="6299345" cy="10582274"/>
+          </a:xfrm>
+          <a:prstGeom prst="rect">
+            <a:avLst/>
+          </a:prstGeom>
+        </p:spPr>
+      </p:pic>
     </p:spTree>
     <p:extLst>
       <p:ext uri="{BB962C8B-B14F-4D97-AF65-F5344CB8AC3E}">
@@ -23410,7 +26363,7 @@
 </p:sld>
 </file>
 
-<file path=ppt/slides/slide19.xml><?xml version="1.0" encoding="utf-8"?>
+<file path=ppt/slides/slide23.xml><?xml version="1.0" encoding="utf-8"?>
 <p:sld xmlns:a="http://schemas.openxmlformats.org/drawingml/2006/main" xmlns:r="http://schemas.openxmlformats.org/officeDocument/2006/relationships" xmlns:p="http://schemas.openxmlformats.org/presentationml/2006/main">
   <p:cSld>
     <p:spTree>
@@ -23752,405 +26705,6 @@
     <p:extLst>
       <p:ext uri="{BB962C8B-B14F-4D97-AF65-F5344CB8AC3E}">
         <p14:creationId xmlns:p14="http://schemas.microsoft.com/office/powerpoint/2010/main" val="1862216677"/>
-      </p:ext>
-    </p:extLst>
-  </p:cSld>
-  <p:clrMapOvr>
-    <a:masterClrMapping/>
-  </p:clrMapOvr>
-  <mc:AlternateContent xmlns:mc="http://schemas.openxmlformats.org/markup-compatibility/2006" xmlns:p159="http://schemas.microsoft.com/office/powerpoint/2015/09/main">
-    <mc:Choice Requires="p159">
-      <p:transition xmlns:p14="http://schemas.microsoft.com/office/powerpoint/2010/main" spd="slow" p14:dur="2000">
-        <p159:morph option="byObject"/>
-      </p:transition>
-    </mc:Choice>
-    <mc:Fallback xmlns="">
-      <p:transition spd="slow">
-        <p:fade/>
-      </p:transition>
-    </mc:Fallback>
-  </mc:AlternateContent>
-</p:sld>
-</file>
-
-<file path=ppt/slides/slide2.xml><?xml version="1.0" encoding="utf-8"?>
-<p:sld xmlns:a="http://schemas.openxmlformats.org/drawingml/2006/main" xmlns:r="http://schemas.openxmlformats.org/officeDocument/2006/relationships" xmlns:p="http://schemas.openxmlformats.org/presentationml/2006/main">
-  <p:cSld>
-    <p:spTree>
-      <p:nvGrpSpPr>
-        <p:cNvPr id="1" name=""/>
-        <p:cNvGrpSpPr/>
-        <p:nvPr/>
-      </p:nvGrpSpPr>
-      <p:grpSpPr>
-        <a:xfrm>
-          <a:off x="0" y="0"/>
-          <a:ext cx="0" cy="0"/>
-          <a:chOff x="0" y="0"/>
-          <a:chExt cx="0" cy="0"/>
-        </a:xfrm>
-      </p:grpSpPr>
-      <p:sp>
-        <p:nvSpPr>
-          <p:cNvPr id="39" name="Rectangle 38">
-            <a:extLst>
-              <a:ext uri="{FF2B5EF4-FFF2-40B4-BE49-F238E27FC236}">
-                <a16:creationId xmlns:a16="http://schemas.microsoft.com/office/drawing/2014/main" id="{33357008-7DFA-80C5-D075-398826CDB7F9}"/>
-              </a:ext>
-            </a:extLst>
-          </p:cNvPr>
-          <p:cNvSpPr/>
-          <p:nvPr/>
-        </p:nvSpPr>
-        <p:spPr>
-          <a:xfrm>
-            <a:off x="0" y="5804452"/>
-            <a:ext cx="12192000" cy="1055797"/>
-          </a:xfrm>
-          <a:prstGeom prst="rect">
-            <a:avLst/>
-          </a:prstGeom>
-          <a:gradFill>
-            <a:gsLst>
-              <a:gs pos="0">
-                <a:schemeClr val="accent6">
-                  <a:lumMod val="23000"/>
-                </a:schemeClr>
-              </a:gs>
-              <a:gs pos="100000">
-                <a:schemeClr val="accent6">
-                  <a:lumMod val="26000"/>
-                </a:schemeClr>
-              </a:gs>
-              <a:gs pos="100000">
-                <a:schemeClr val="accent6">
-                  <a:lumMod val="19000"/>
-                </a:schemeClr>
-              </a:gs>
-            </a:gsLst>
-            <a:lin ang="5400000" scaled="0"/>
-          </a:gradFill>
-        </p:spPr>
-        <p:style>
-          <a:lnRef idx="2">
-            <a:schemeClr val="accent1">
-              <a:shade val="15000"/>
-            </a:schemeClr>
-          </a:lnRef>
-          <a:fillRef idx="1">
-            <a:schemeClr val="accent1"/>
-          </a:fillRef>
-          <a:effectRef idx="0">
-            <a:schemeClr val="accent1"/>
-          </a:effectRef>
-          <a:fontRef idx="minor">
-            <a:schemeClr val="lt1"/>
-          </a:fontRef>
-        </p:style>
-        <p:txBody>
-          <a:bodyPr rtlCol="0" anchor="ctr"/>
-          <a:lstStyle/>
-          <a:p>
-            <a:pPr algn="ctr"/>
-            <a:endParaRPr lang="en-US" dirty="0"/>
-          </a:p>
-        </p:txBody>
-      </p:sp>
-      <p:sp>
-        <p:nvSpPr>
-          <p:cNvPr id="51" name="TextBox 50">
-            <a:extLst>
-              <a:ext uri="{FF2B5EF4-FFF2-40B4-BE49-F238E27FC236}">
-                <a16:creationId xmlns:a16="http://schemas.microsoft.com/office/drawing/2014/main" id="{417F70E4-6593-CB57-25BD-34EB14E7D621}"/>
-              </a:ext>
-            </a:extLst>
-          </p:cNvPr>
-          <p:cNvSpPr txBox="1"/>
-          <p:nvPr/>
-        </p:nvSpPr>
-        <p:spPr>
-          <a:xfrm>
-            <a:off x="0" y="324056"/>
-            <a:ext cx="12192000" cy="369332"/>
-          </a:xfrm>
-          <a:prstGeom prst="rect">
-            <a:avLst/>
-          </a:prstGeom>
-          <a:noFill/>
-        </p:spPr>
-        <p:txBody>
-          <a:bodyPr wrap="square">
-            <a:spAutoFit/>
-          </a:bodyPr>
-          <a:lstStyle/>
-          <a:p>
-            <a:pPr algn="ctr"/>
-            <a:r>
-              <a:rPr lang="en-US" dirty="0"/>
-              <a:t>MINOR PROJECT</a:t>
-            </a:r>
-          </a:p>
-        </p:txBody>
-      </p:sp>
-      <p:sp>
-        <p:nvSpPr>
-          <p:cNvPr id="53" name="TextBox 52">
-            <a:extLst>
-              <a:ext uri="{FF2B5EF4-FFF2-40B4-BE49-F238E27FC236}">
-                <a16:creationId xmlns:a16="http://schemas.microsoft.com/office/drawing/2014/main" id="{99D0A419-E741-EFB7-F696-88188C7038D5}"/>
-              </a:ext>
-            </a:extLst>
-          </p:cNvPr>
-          <p:cNvSpPr txBox="1"/>
-          <p:nvPr/>
-        </p:nvSpPr>
-        <p:spPr>
-          <a:xfrm>
-            <a:off x="3042203" y="6019754"/>
-            <a:ext cx="6107594" cy="1200329"/>
-          </a:xfrm>
-          <a:prstGeom prst="rect">
-            <a:avLst/>
-          </a:prstGeom>
-          <a:noFill/>
-        </p:spPr>
-        <p:txBody>
-          <a:bodyPr wrap="square">
-            <a:spAutoFit/>
-          </a:bodyPr>
-          <a:lstStyle/>
-          <a:p>
-            <a:pPr algn="ctr"/>
-            <a:r>
-              <a:rPr lang="en-US" b="1" dirty="0">
-                <a:solidFill>
-                  <a:schemeClr val="bg1"/>
-                </a:solidFill>
-              </a:rPr>
-              <a:t>Presented by</a:t>
-            </a:r>
-          </a:p>
-          <a:p>
-            <a:pPr algn="ctr"/>
-            <a:r>
-              <a:rPr lang="en-US" dirty="0" err="1">
-                <a:solidFill>
-                  <a:schemeClr val="bg1"/>
-                </a:solidFill>
-              </a:rPr>
-              <a:t>Yashvardhan</a:t>
-            </a:r>
-            <a:r>
-              <a:rPr lang="en-US" dirty="0">
-                <a:solidFill>
-                  <a:schemeClr val="bg1"/>
-                </a:solidFill>
-              </a:rPr>
-              <a:t> &amp; Sourav</a:t>
-            </a:r>
-          </a:p>
-          <a:p>
-            <a:pPr algn="ctr"/>
-            <a:endParaRPr lang="en-US" b="1" dirty="0">
-              <a:solidFill>
-                <a:schemeClr val="bg1"/>
-              </a:solidFill>
-            </a:endParaRPr>
-          </a:p>
-          <a:p>
-            <a:pPr algn="ctr"/>
-            <a:endParaRPr lang="en-US" b="1" dirty="0">
-              <a:solidFill>
-                <a:schemeClr val="bg1"/>
-              </a:solidFill>
-            </a:endParaRPr>
-          </a:p>
-        </p:txBody>
-      </p:sp>
-      <p:pic>
-        <p:nvPicPr>
-          <p:cNvPr id="55" name="Graphic 54" descr="Store with solid fill">
-            <a:extLst>
-              <a:ext uri="{FF2B5EF4-FFF2-40B4-BE49-F238E27FC236}">
-                <a16:creationId xmlns:a16="http://schemas.microsoft.com/office/drawing/2014/main" id="{0F8E7ACC-A756-A0F0-D6E4-72F3C3FA498C}"/>
-              </a:ext>
-            </a:extLst>
-          </p:cNvPr>
-          <p:cNvPicPr>
-            <a:picLocks noChangeAspect="1"/>
-          </p:cNvPicPr>
-          <p:nvPr/>
-        </p:nvPicPr>
-        <p:blipFill>
-          <a:blip r:embed="rId2">
-            <a:extLst>
-              <a:ext uri="{96DAC541-7B7A-43D3-8B79-37D633B846F1}">
-                <asvg:svgBlip xmlns:asvg="http://schemas.microsoft.com/office/drawing/2016/SVG/main" r:embed="rId3"/>
-              </a:ext>
-            </a:extLst>
-          </a:blip>
-          <a:stretch>
-            <a:fillRect/>
-          </a:stretch>
-        </p:blipFill>
-        <p:spPr>
-          <a:xfrm>
-            <a:off x="-61073" y="4806624"/>
-            <a:ext cx="1242828" cy="1213130"/>
-          </a:xfrm>
-          <a:prstGeom prst="rect">
-            <a:avLst/>
-          </a:prstGeom>
-        </p:spPr>
-      </p:pic>
-      <p:pic>
-        <p:nvPicPr>
-          <p:cNvPr id="63" name="Graphic 62" descr="House with solid fill">
-            <a:extLst>
-              <a:ext uri="{FF2B5EF4-FFF2-40B4-BE49-F238E27FC236}">
-                <a16:creationId xmlns:a16="http://schemas.microsoft.com/office/drawing/2014/main" id="{7E6C27D8-B223-6D52-0C79-C0BBB6A34179}"/>
-              </a:ext>
-            </a:extLst>
-          </p:cNvPr>
-          <p:cNvPicPr>
-            <a:picLocks noChangeAspect="1"/>
-          </p:cNvPicPr>
-          <p:nvPr/>
-        </p:nvPicPr>
-        <p:blipFill>
-          <a:blip r:embed="rId4">
-            <a:extLst>
-              <a:ext uri="{96DAC541-7B7A-43D3-8B79-37D633B846F1}">
-                <asvg:svgBlip xmlns:asvg="http://schemas.microsoft.com/office/drawing/2016/SVG/main" r:embed="rId5"/>
-              </a:ext>
-            </a:extLst>
-          </a:blip>
-          <a:stretch>
-            <a:fillRect/>
-          </a:stretch>
-        </p:blipFill>
-        <p:spPr>
-          <a:xfrm>
-            <a:off x="10363200" y="4999383"/>
-            <a:ext cx="914400" cy="914400"/>
-          </a:xfrm>
-          <a:prstGeom prst="rect">
-            <a:avLst/>
-          </a:prstGeom>
-        </p:spPr>
-      </p:pic>
-      <p:pic>
-        <p:nvPicPr>
-          <p:cNvPr id="450" name="Graphic 449" descr="Barn with solid fill">
-            <a:extLst>
-              <a:ext uri="{FF2B5EF4-FFF2-40B4-BE49-F238E27FC236}">
-                <a16:creationId xmlns:a16="http://schemas.microsoft.com/office/drawing/2014/main" id="{A153A571-BF10-B92B-5CB5-23F845C77303}"/>
-              </a:ext>
-            </a:extLst>
-          </p:cNvPr>
-          <p:cNvPicPr>
-            <a:picLocks noChangeAspect="1"/>
-          </p:cNvPicPr>
-          <p:nvPr/>
-        </p:nvPicPr>
-        <p:blipFill>
-          <a:blip r:embed="rId6">
-            <a:extLst>
-              <a:ext uri="{96DAC541-7B7A-43D3-8B79-37D633B846F1}">
-                <asvg:svgBlip xmlns:asvg="http://schemas.microsoft.com/office/drawing/2016/SVG/main" r:embed="rId7"/>
-              </a:ext>
-            </a:extLst>
-          </a:blip>
-          <a:stretch>
-            <a:fillRect/>
-          </a:stretch>
-        </p:blipFill>
-        <p:spPr>
-          <a:xfrm>
-            <a:off x="11235484" y="4997703"/>
-            <a:ext cx="914400" cy="914400"/>
-          </a:xfrm>
-          <a:prstGeom prst="rect">
-            <a:avLst/>
-          </a:prstGeom>
-        </p:spPr>
-      </p:pic>
-      <p:sp>
-        <p:nvSpPr>
-          <p:cNvPr id="5" name="TextBox 4">
-            <a:extLst>
-              <a:ext uri="{FF2B5EF4-FFF2-40B4-BE49-F238E27FC236}">
-                <a16:creationId xmlns:a16="http://schemas.microsoft.com/office/drawing/2014/main" id="{CB3B40DA-4DA3-A76C-9C45-453FFB965A6F}"/>
-              </a:ext>
-            </a:extLst>
-          </p:cNvPr>
-          <p:cNvSpPr txBox="1"/>
-          <p:nvPr/>
-        </p:nvSpPr>
-        <p:spPr>
-          <a:xfrm>
-            <a:off x="3044372" y="562472"/>
-            <a:ext cx="6103256" cy="1569660"/>
-          </a:xfrm>
-          <a:prstGeom prst="rect">
-            <a:avLst/>
-          </a:prstGeom>
-          <a:noFill/>
-        </p:spPr>
-        <p:txBody>
-          <a:bodyPr wrap="square">
-            <a:spAutoFit/>
-          </a:bodyPr>
-          <a:lstStyle/>
-          <a:p>
-            <a:pPr algn="ctr"/>
-            <a:r>
-              <a:rPr lang="en-US" sz="9600" b="1" dirty="0"/>
-              <a:t>LIORA</a:t>
-            </a:r>
-          </a:p>
-        </p:txBody>
-      </p:sp>
-      <p:pic>
-        <p:nvPicPr>
-          <p:cNvPr id="8" name="Graphic 7" descr="Convertible with solid fill">
-            <a:extLst>
-              <a:ext uri="{FF2B5EF4-FFF2-40B4-BE49-F238E27FC236}">
-                <a16:creationId xmlns:a16="http://schemas.microsoft.com/office/drawing/2014/main" id="{D1098C18-F5BC-08F2-FAD9-FB6D7DC5BEE2}"/>
-              </a:ext>
-            </a:extLst>
-          </p:cNvPr>
-          <p:cNvPicPr>
-            <a:picLocks noChangeAspect="1"/>
-          </p:cNvPicPr>
-          <p:nvPr/>
-        </p:nvPicPr>
-        <p:blipFill>
-          <a:blip r:embed="rId8">
-            <a:extLst>
-              <a:ext uri="{96DAC541-7B7A-43D3-8B79-37D633B846F1}">
-                <asvg:svgBlip xmlns:asvg="http://schemas.microsoft.com/office/drawing/2016/SVG/main" r:embed="rId9"/>
-              </a:ext>
-            </a:extLst>
-          </a:blip>
-          <a:stretch>
-            <a:fillRect/>
-          </a:stretch>
-        </p:blipFill>
-        <p:spPr>
-          <a:xfrm flipH="1">
-            <a:off x="9436501" y="5184866"/>
-            <a:ext cx="914400" cy="914400"/>
-          </a:xfrm>
-          <a:prstGeom prst="rect">
-            <a:avLst/>
-          </a:prstGeom>
-        </p:spPr>
-      </p:pic>
-    </p:spTree>
-    <p:extLst>
-      <p:ext uri="{BB962C8B-B14F-4D97-AF65-F5344CB8AC3E}">
-        <p14:creationId xmlns:p14="http://schemas.microsoft.com/office/powerpoint/2010/main" val="1283265288"/>
       </p:ext>
     </p:extLst>
   </p:cSld>
@@ -25279,13 +27833,13 @@
   <p:clrMapOvr>
     <a:masterClrMapping/>
   </p:clrMapOvr>
-  <mc:AlternateContent xmlns:mc="http://schemas.openxmlformats.org/markup-compatibility/2006">
-    <mc:Choice xmlns:p159="http://schemas.microsoft.com/office/powerpoint/2015/09/main" Requires="p159">
+  <mc:AlternateContent xmlns:mc="http://schemas.openxmlformats.org/markup-compatibility/2006" xmlns:p159="http://schemas.microsoft.com/office/powerpoint/2015/09/main">
+    <mc:Choice Requires="p159">
       <p:transition xmlns:p14="http://schemas.microsoft.com/office/powerpoint/2010/main" spd="slow" p14:dur="2000" advClick="0" advTm="2000">
         <p159:morph option="byObject"/>
       </p:transition>
     </mc:Choice>
-    <mc:Fallback>
+    <mc:Fallback xmlns="">
       <p:transition spd="slow" advClick="0" advTm="2000">
         <p:fade/>
       </p:transition>
@@ -27410,13 +29964,13 @@
   <p:clrMapOvr>
     <a:masterClrMapping/>
   </p:clrMapOvr>
-  <mc:AlternateContent xmlns:mc="http://schemas.openxmlformats.org/markup-compatibility/2006">
-    <mc:Choice xmlns:p159="http://schemas.microsoft.com/office/powerpoint/2015/09/main" Requires="p159">
+  <mc:AlternateContent xmlns:mc="http://schemas.openxmlformats.org/markup-compatibility/2006" xmlns:p159="http://schemas.microsoft.com/office/powerpoint/2015/09/main">
+    <mc:Choice Requires="p159">
       <p:transition spd="slow">
         <p159:morph option="byObject"/>
       </p:transition>
     </mc:Choice>
-    <mc:Fallback>
+    <mc:Fallback xmlns="">
       <p:transition spd="slow">
         <p:fade/>
       </p:transition>
@@ -28035,13 +30589,13 @@
   <p:clrMapOvr>
     <a:masterClrMapping/>
   </p:clrMapOvr>
-  <mc:AlternateContent xmlns:mc="http://schemas.openxmlformats.org/markup-compatibility/2006">
-    <mc:Choice xmlns:p159="http://schemas.microsoft.com/office/powerpoint/2015/09/main" Requires="p159">
+  <mc:AlternateContent xmlns:mc="http://schemas.openxmlformats.org/markup-compatibility/2006" xmlns:p159="http://schemas.microsoft.com/office/powerpoint/2015/09/main">
+    <mc:Choice Requires="p159">
       <p:transition xmlns:p14="http://schemas.microsoft.com/office/powerpoint/2010/main" spd="slow" p14:dur="2000">
         <p159:morph option="byObject"/>
       </p:transition>
     </mc:Choice>
-    <mc:Fallback>
+    <mc:Fallback xmlns="">
       <p:transition spd="slow">
         <p:fade/>
       </p:transition>
